--- a/summary/slides/main.pptx
+++ b/summary/slides/main.pptx
@@ -273,7 +273,7 @@
           <a:p>
             <a:fld id="{80680FBE-A8DF-4758-9AC4-3A9E1039168F}" type="datetimeFigureOut">
               <a:rPr lang="en-US" smtClean="0"/>
-              <a:t>1/22/2018</a:t>
+              <a:t>1/25/2018</a:t>
             </a:fld>
             <a:endParaRPr lang="en-US"/>
           </a:p>
@@ -438,7 +438,7 @@
           <a:p>
             <a:fld id="{EC13577B-6902-467D-A26C-08A0DD5E4E03}" type="datetimeFigureOut">
               <a:rPr lang="en-US" smtClean="0"/>
-              <a:t>1/22/2018</a:t>
+              <a:t>1/25/2018</a:t>
             </a:fld>
             <a:endParaRPr lang="en-US"/>
           </a:p>
@@ -1593,7 +1593,7 @@
             <a:fld id="{8BEEBAAA-29B5-4AF5-BC5F-7E580C29002D}" type="datetimeFigureOut">
               <a:rPr lang="en-US" smtClean="0"/>
               <a:pPr/>
-              <a:t>1/22/2018</a:t>
+              <a:t>1/25/2018</a:t>
             </a:fld>
             <a:endParaRPr lang="en-US" dirty="0"/>
           </a:p>
@@ -2254,7 +2254,7 @@
             <a:fld id="{8BEEBAAA-29B5-4AF5-BC5F-7E580C29002D}" type="datetimeFigureOut">
               <a:rPr lang="en-US" smtClean="0"/>
               <a:pPr/>
-              <a:t>1/22/2018</a:t>
+              <a:t>1/25/2018</a:t>
             </a:fld>
             <a:endParaRPr lang="en-US" dirty="0"/>
           </a:p>
@@ -2756,12 +2756,12 @@
         <p:spPr>
           <a:xfrm>
             <a:off x="855620" y="2933105"/>
-            <a:ext cx="9582736" cy="1137793"/>
+            <a:ext cx="9582736" cy="2164195"/>
           </a:xfrm>
         </p:spPr>
         <p:txBody>
           <a:bodyPr>
-            <a:normAutofit/>
+            <a:normAutofit fontScale="92500" lnSpcReduction="20000"/>
           </a:bodyPr>
           <a:lstStyle/>
           <a:p>
@@ -2777,6 +2777,114 @@
               </a:rPr>
               <a:t>An overview.</a:t>
             </a:r>
+          </a:p>
+          <a:p>
+            <a:pPr marL="0" indent="0">
+              <a:buNone/>
+            </a:pPr>
+            <a:r>
+              <a:rPr lang="en-US" sz="2400" dirty="0" err="1">
+                <a:solidFill>
+                  <a:schemeClr val="bg1"/>
+                </a:solidFill>
+                <a:latin typeface="+mj-lt"/>
+              </a:rPr>
+              <a:t>Tr</a:t>
+            </a:r>
+            <a:r>
+              <a:rPr lang="vi-VN" sz="2400" dirty="0">
+                <a:solidFill>
+                  <a:schemeClr val="bg1"/>
+                </a:solidFill>
+                <a:latin typeface="+mj-lt"/>
+              </a:rPr>
+              <a:t>ư</a:t>
+            </a:r>
+            <a:r>
+              <a:rPr lang="en-US" sz="2400" dirty="0" err="1">
+                <a:solidFill>
+                  <a:schemeClr val="bg1"/>
+                </a:solidFill>
+                <a:latin typeface="+mj-lt"/>
+              </a:rPr>
+              <a:t>ơng</a:t>
+            </a:r>
+            <a:r>
+              <a:rPr lang="en-US" sz="2400">
+                <a:solidFill>
+                  <a:schemeClr val="bg1"/>
+                </a:solidFill>
+                <a:latin typeface="+mj-lt"/>
+              </a:rPr>
+              <a:t> Phúc Anh– </a:t>
+            </a:r>
+            <a:r>
+              <a:rPr lang="en-US" sz="2400" dirty="0">
+                <a:solidFill>
+                  <a:schemeClr val="bg1"/>
+                </a:solidFill>
+                <a:latin typeface="+mj-lt"/>
+              </a:rPr>
+              <a:t>14520040</a:t>
+            </a:r>
+          </a:p>
+          <a:p>
+            <a:pPr marL="0" indent="0">
+              <a:buNone/>
+            </a:pPr>
+            <a:r>
+              <a:rPr lang="en-US" sz="2400" dirty="0">
+                <a:solidFill>
+                  <a:schemeClr val="bg1"/>
+                </a:solidFill>
+                <a:latin typeface="+mj-lt"/>
+              </a:rPr>
+              <a:t>GVHD: Mai </a:t>
+            </a:r>
+            <a:r>
+              <a:rPr lang="en-US" sz="2400" dirty="0" err="1">
+                <a:solidFill>
+                  <a:schemeClr val="bg1"/>
+                </a:solidFill>
+                <a:latin typeface="+mj-lt"/>
+              </a:rPr>
+              <a:t>Tiến</a:t>
+            </a:r>
+            <a:r>
+              <a:rPr lang="en-US" sz="2400" dirty="0">
+                <a:solidFill>
+                  <a:schemeClr val="bg1"/>
+                </a:solidFill>
+                <a:latin typeface="+mj-lt"/>
+              </a:rPr>
+              <a:t> </a:t>
+            </a:r>
+            <a:r>
+              <a:rPr lang="en-US" sz="2400" dirty="0" err="1">
+                <a:solidFill>
+                  <a:schemeClr val="bg1"/>
+                </a:solidFill>
+                <a:latin typeface="+mj-lt"/>
+              </a:rPr>
+              <a:t>Dũng</a:t>
+            </a:r>
+            <a:endParaRPr lang="en-US" sz="2400" dirty="0">
+              <a:solidFill>
+                <a:schemeClr val="bg1"/>
+              </a:solidFill>
+              <a:latin typeface="+mj-lt"/>
+            </a:endParaRPr>
+          </a:p>
+          <a:p>
+            <a:pPr marL="0" indent="0">
+              <a:buNone/>
+            </a:pPr>
+            <a:endParaRPr lang="en-US" sz="2400" dirty="0">
+              <a:solidFill>
+                <a:schemeClr val="bg1"/>
+              </a:solidFill>
+              <a:latin typeface="+mj-lt"/>
+            </a:endParaRPr>
           </a:p>
         </p:txBody>
       </p:sp>
@@ -3054,21 +3162,6 @@
   <p:clrMapOvr>
     <a:masterClrMapping/>
   </p:clrMapOvr>
-  <mc:AlternateContent xmlns:mc="http://schemas.openxmlformats.org/markup-compatibility/2006">
-    <mc:Choice xmlns:p14="http://schemas.microsoft.com/office/powerpoint/2010/main" Requires="p14">
-      <p:transition p14:dur="0"/>
-    </mc:Choice>
-    <mc:Fallback>
-      <p:transition/>
-    </mc:Fallback>
-  </mc:AlternateContent>
-  <p:timing>
-    <p:tnLst>
-      <p:par>
-        <p:cTn id="1" dur="indefinite" restart="never" nodeType="tmRoot"/>
-      </p:par>
-    </p:tnLst>
-  </p:timing>
 </p:sld>
 </file>
 
@@ -3161,10 +3254,9 @@
                     <a:lstStyle/>
                     <a:p>
                       <a:r>
-                        <a:rPr lang="en-US" b="0" dirty="0" smtClean="0"/>
+                        <a:rPr lang="en-US" b="0" dirty="0"/>
                         <a:t>Architecture</a:t>
                       </a:r>
-                      <a:endParaRPr lang="en-US" b="0" dirty="0"/>
                     </a:p>
                   </a:txBody>
                   <a:tcPr/>
@@ -3175,10 +3267,9 @@
                     <a:lstStyle/>
                     <a:p>
                       <a:r>
-                        <a:rPr lang="en-US" b="0" dirty="0" smtClean="0"/>
+                        <a:rPr lang="en-US" b="0" dirty="0"/>
                         <a:t>Accuracy</a:t>
                       </a:r>
-                      <a:endParaRPr lang="en-US" b="0" dirty="0"/>
                     </a:p>
                   </a:txBody>
                   <a:tcPr/>
@@ -3196,7 +3287,7 @@
                     <a:lstStyle/>
                     <a:p>
                       <a:r>
-                        <a:rPr lang="en-US" dirty="0" smtClean="0"/>
+                        <a:rPr lang="en-US" dirty="0"/>
                         <a:t>FV+CNN</a:t>
                       </a:r>
                       <a:endParaRPr lang="en-US" b="0" dirty="0"/>
@@ -3210,7 +3301,7 @@
                     <a:lstStyle/>
                     <a:p>
                       <a:r>
-                        <a:rPr lang="en-US" dirty="0" smtClean="0"/>
+                        <a:rPr lang="en-US" dirty="0"/>
                         <a:t>75.4%</a:t>
                       </a:r>
                       <a:endParaRPr lang="en-US" b="0" dirty="0"/>
@@ -3231,7 +3322,7 @@
                     <a:lstStyle/>
                     <a:p>
                       <a:r>
-                        <a:rPr lang="en-US" dirty="0" smtClean="0"/>
+                        <a:rPr lang="en-US" dirty="0"/>
                         <a:t>FV-N+CNN+N(3D)</a:t>
                       </a:r>
                       <a:endParaRPr lang="en-US" b="0" dirty="0"/>
@@ -3245,7 +3336,7 @@
                     <a:lstStyle/>
                     <a:p>
                       <a:r>
-                        <a:rPr lang="en-US" dirty="0" smtClean="0"/>
+                        <a:rPr lang="en-US" dirty="0"/>
                         <a:t>58.3%</a:t>
                       </a:r>
                       <a:endParaRPr lang="en-US" b="0" dirty="0"/>
@@ -3266,7 +3357,7 @@
                     <a:lstStyle/>
                     <a:p>
                       <a:r>
-                        <a:rPr lang="en-US" dirty="0" smtClean="0"/>
+                        <a:rPr lang="en-US" dirty="0"/>
                         <a:t>MVCNN</a:t>
                       </a:r>
                       <a:endParaRPr lang="en-US" b="0" dirty="0"/>
@@ -3280,7 +3371,7 @@
                     <a:lstStyle/>
                     <a:p>
                       <a:r>
-                        <a:rPr lang="en-US" dirty="0" smtClean="0"/>
+                        <a:rPr lang="en-US" dirty="0"/>
                         <a:t>78.1% </a:t>
                       </a:r>
                       <a:endParaRPr lang="en-US" b="0" dirty="0"/>
@@ -3301,7 +3392,7 @@
                     <a:lstStyle/>
                     <a:p>
                       <a:r>
-                        <a:rPr lang="en-US" dirty="0" smtClean="0"/>
+                        <a:rPr lang="en-US" dirty="0"/>
                         <a:t>Multi-view DAIN (3D filter), pooling</a:t>
                       </a:r>
                       <a:endParaRPr lang="en-US" b="0" dirty="0"/>
@@ -3315,7 +3406,7 @@
                     <a:lstStyle/>
                     <a:p>
                       <a:r>
-                        <a:rPr lang="en-US" dirty="0" smtClean="0"/>
+                        <a:rPr lang="en-US" dirty="0"/>
                         <a:t>81.4% </a:t>
                       </a:r>
                       <a:endParaRPr lang="en-US" b="0" dirty="0"/>
@@ -3355,26 +3446,13 @@
           <a:lstStyle/>
           <a:p>
             <a:r>
-              <a:rPr lang="en-US" b="1" dirty="0" smtClean="0"/>
+              <a:rPr lang="en-US" b="1" dirty="0"/>
               <a:t>Table 1. </a:t>
             </a:r>
             <a:r>
               <a:rPr lang="en-US" dirty="0"/>
-              <a:t>Comparison </a:t>
-            </a:r>
-            <a:r>
-              <a:rPr lang="en-US" dirty="0" smtClean="0"/>
-              <a:t>Multi-view DAIN with </a:t>
-            </a:r>
-            <a:r>
-              <a:rPr lang="en-US" dirty="0"/>
-              <a:t>the state of art algorithms </a:t>
-            </a:r>
-            <a:r>
-              <a:rPr lang="en-US" dirty="0" smtClean="0"/>
-              <a:t>on GTOS dataset [5].</a:t>
-            </a:r>
-            <a:endParaRPr lang="en-US" dirty="0"/>
+              <a:t>Comparison Multi-view DAIN with the state of art algorithms on GTOS dataset [5].</a:t>
+            </a:r>
           </a:p>
         </p:txBody>
       </p:sp>
@@ -3388,25 +3466,18 @@
   <p:clrMapOvr>
     <a:masterClrMapping/>
   </p:clrMapOvr>
-  <mc:AlternateContent xmlns:mc="http://schemas.openxmlformats.org/markup-compatibility/2006">
-    <mc:Choice xmlns:p15="http://schemas.microsoft.com/office/powerpoint/2012/main" Requires="p15">
+  <mc:AlternateContent xmlns:mc="http://schemas.openxmlformats.org/markup-compatibility/2006" xmlns:p15="http://schemas.microsoft.com/office/powerpoint/2012/main">
+    <mc:Choice Requires="p15">
       <p:transition xmlns:p14="http://schemas.microsoft.com/office/powerpoint/2010/main" spd="slow" p14:dur="2000">
         <p15:prstTrans prst="drape"/>
       </p:transition>
     </mc:Choice>
-    <mc:Fallback>
+    <mc:Fallback xmlns="">
       <p:transition spd="slow">
         <p:fade/>
       </p:transition>
     </mc:Fallback>
   </mc:AlternateContent>
-  <p:timing>
-    <p:tnLst>
-      <p:par>
-        <p:cTn id="1" dur="indefinite" restart="never" nodeType="tmRoot"/>
-      </p:par>
-    </p:tnLst>
-  </p:timing>
 </p:sld>
 </file>
 
@@ -3492,25 +3563,18 @@
   <p:clrMapOvr>
     <a:masterClrMapping/>
   </p:clrMapOvr>
-  <mc:AlternateContent xmlns:mc="http://schemas.openxmlformats.org/markup-compatibility/2006">
-    <mc:Choice xmlns:p15="http://schemas.microsoft.com/office/powerpoint/2012/main" Requires="p15">
+  <mc:AlternateContent xmlns:mc="http://schemas.openxmlformats.org/markup-compatibility/2006" xmlns:p15="http://schemas.microsoft.com/office/powerpoint/2012/main">
+    <mc:Choice Requires="p15">
       <p:transition xmlns:p14="http://schemas.microsoft.com/office/powerpoint/2010/main" spd="slow" p14:dur="2000">
         <p15:prstTrans prst="drape"/>
       </p:transition>
     </mc:Choice>
-    <mc:Fallback>
+    <mc:Fallback xmlns="">
       <p:transition spd="slow">
         <p:fade/>
       </p:transition>
     </mc:Fallback>
   </mc:AlternateContent>
-  <p:timing>
-    <p:tnLst>
-      <p:par>
-        <p:cTn id="1" dur="indefinite" restart="never" nodeType="tmRoot"/>
-      </p:par>
-    </p:tnLst>
-  </p:timing>
 </p:sld>
 </file>
 
@@ -3780,7 +3844,7 @@
               <a:defRPr/>
             </a:pPr>
             <a:r>
-              <a:rPr lang="en-US" sz="1600" b="1" dirty="0" smtClean="0">
+              <a:rPr lang="en-US" sz="1600" b="1" dirty="0">
                 <a:solidFill>
                   <a:srgbClr val="D24726"/>
                 </a:solidFill>
@@ -3843,11 +3907,11 @@
                     <a:lstStyle/>
                     <a:p>
                       <a:r>
-                        <a:rPr lang="en-US" dirty="0" smtClean="0"/>
+                        <a:rPr lang="en-US" dirty="0"/>
                         <a:t>Train</a:t>
                       </a:r>
                       <a:r>
-                        <a:rPr lang="en-US" baseline="0" dirty="0" smtClean="0"/>
+                        <a:rPr lang="en-US" baseline="0" dirty="0"/>
                         <a:t>-test set</a:t>
                       </a:r>
                       <a:endParaRPr lang="en-US" dirty="0"/>
@@ -3861,10 +3925,9 @@
                     <a:lstStyle/>
                     <a:p>
                       <a:r>
-                        <a:rPr lang="en-US" dirty="0" smtClean="0"/>
+                        <a:rPr lang="en-US" dirty="0"/>
                         <a:t>Accuracy</a:t>
                       </a:r>
-                      <a:endParaRPr lang="en-US" dirty="0"/>
                     </a:p>
                   </a:txBody>
                   <a:tcPr/>
@@ -3882,10 +3945,9 @@
                     <a:lstStyle/>
                     <a:p>
                       <a:r>
-                        <a:rPr lang="en-US" dirty="0" smtClean="0"/>
+                        <a:rPr lang="en-US" dirty="0"/>
                         <a:t>001</a:t>
                       </a:r>
-                      <a:endParaRPr lang="en-US" dirty="0"/>
                     </a:p>
                   </a:txBody>
                   <a:tcPr/>
@@ -3896,7 +3958,7 @@
                     <a:lstStyle/>
                     <a:p>
                       <a:r>
-                        <a:rPr lang="en-US" dirty="0" smtClean="0"/>
+                        <a:rPr lang="en-US" dirty="0"/>
                         <a:t>73.17%</a:t>
                       </a:r>
                     </a:p>
@@ -3916,10 +3978,9 @@
                     <a:lstStyle/>
                     <a:p>
                       <a:r>
-                        <a:rPr lang="en-US" dirty="0" smtClean="0"/>
+                        <a:rPr lang="en-US" dirty="0"/>
                         <a:t>002</a:t>
                       </a:r>
-                      <a:endParaRPr lang="en-US" dirty="0"/>
                     </a:p>
                   </a:txBody>
                   <a:tcPr/>
@@ -3930,7 +3991,7 @@
                     <a:lstStyle/>
                     <a:p>
                       <a:r>
-                        <a:rPr lang="en-US" dirty="0" smtClean="0"/>
+                        <a:rPr lang="en-US" dirty="0"/>
                         <a:t>77.01%</a:t>
                       </a:r>
                     </a:p>
@@ -3950,10 +4011,9 @@
                     <a:lstStyle/>
                     <a:p>
                       <a:r>
-                        <a:rPr lang="en-US" dirty="0" smtClean="0"/>
+                        <a:rPr lang="en-US" dirty="0"/>
                         <a:t>003</a:t>
                       </a:r>
-                      <a:endParaRPr lang="en-US" dirty="0"/>
                     </a:p>
                   </a:txBody>
                   <a:tcPr/>
@@ -3964,7 +4024,7 @@
                     <a:lstStyle/>
                     <a:p>
                       <a:r>
-                        <a:rPr lang="en-US" dirty="0" smtClean="0"/>
+                        <a:rPr lang="en-US" dirty="0"/>
                         <a:t>77.79%</a:t>
                       </a:r>
                     </a:p>
@@ -3984,10 +4044,9 @@
                     <a:lstStyle/>
                     <a:p>
                       <a:r>
-                        <a:rPr lang="en-US" dirty="0" smtClean="0"/>
+                        <a:rPr lang="en-US" dirty="0"/>
                         <a:t>004</a:t>
                       </a:r>
-                      <a:endParaRPr lang="en-US" dirty="0"/>
                     </a:p>
                   </a:txBody>
                   <a:tcPr/>
@@ -3998,7 +4057,7 @@
                     <a:lstStyle/>
                     <a:p>
                       <a:r>
-                        <a:rPr lang="en-US" dirty="0" smtClean="0"/>
+                        <a:rPr lang="en-US" dirty="0"/>
                         <a:t>81.24%</a:t>
                       </a:r>
                     </a:p>
@@ -4018,10 +4077,9 @@
                     <a:lstStyle/>
                     <a:p>
                       <a:r>
-                        <a:rPr lang="en-US" dirty="0" smtClean="0"/>
+                        <a:rPr lang="en-US" dirty="0"/>
                         <a:t>005</a:t>
                       </a:r>
-                      <a:endParaRPr lang="en-US" dirty="0"/>
                     </a:p>
                   </a:txBody>
                   <a:tcPr/>
@@ -4032,7 +4090,7 @@
                     <a:lstStyle/>
                     <a:p>
                       <a:r>
-                        <a:rPr lang="en-US" dirty="0" smtClean="0"/>
+                        <a:rPr lang="en-US" dirty="0"/>
                         <a:t>80.44%</a:t>
                       </a:r>
                     </a:p>
@@ -4052,10 +4110,9 @@
                     <a:lstStyle/>
                     <a:p>
                       <a:r>
-                        <a:rPr lang="en-US" b="1" dirty="0" smtClean="0"/>
+                        <a:rPr lang="en-US" b="1" dirty="0"/>
                         <a:t>Average</a:t>
                       </a:r>
-                      <a:endParaRPr lang="en-US" b="1" dirty="0"/>
                     </a:p>
                   </a:txBody>
                   <a:tcPr/>
@@ -4066,10 +4123,9 @@
                     <a:lstStyle/>
                     <a:p>
                       <a:r>
-                        <a:rPr lang="en-US" dirty="0" smtClean="0"/>
+                        <a:rPr lang="en-US" dirty="0"/>
                         <a:t>77.93%</a:t>
                       </a:r>
-                      <a:endParaRPr lang="en-US" dirty="0"/>
                     </a:p>
                   </a:txBody>
                   <a:tcPr/>
@@ -4314,35 +4370,35 @@
               <a:defRPr/>
             </a:pPr>
             <a:r>
-              <a:rPr lang="en-US" sz="1400" dirty="0" smtClean="0">
+              <a:rPr lang="en-US" sz="1400" dirty="0">
                 <a:latin typeface="Segoe UI" panose="020B0502040204020203" pitchFamily="34" charset="0"/>
                 <a:cs typeface="Segoe UI" panose="020B0502040204020203" pitchFamily="34" charset="0"/>
               </a:rPr>
               <a:t>Extract VGG16-fc2 with </a:t>
             </a:r>
             <a:r>
-              <a:rPr lang="en-US" sz="1400" dirty="0" err="1" smtClean="0">
+              <a:rPr lang="en-US" sz="1400" dirty="0" err="1">
                 <a:latin typeface="Segoe UI" panose="020B0502040204020203" pitchFamily="34" charset="0"/>
                 <a:cs typeface="Segoe UI" panose="020B0502040204020203" pitchFamily="34" charset="0"/>
               </a:rPr>
               <a:t>Keras</a:t>
             </a:r>
             <a:r>
-              <a:rPr lang="en-US" sz="1400" dirty="0" smtClean="0">
+              <a:rPr lang="en-US" sz="1400" dirty="0">
                 <a:latin typeface="Segoe UI" panose="020B0502040204020203" pitchFamily="34" charset="0"/>
                 <a:cs typeface="Segoe UI" panose="020B0502040204020203" pitchFamily="34" charset="0"/>
               </a:rPr>
               <a:t> framework (using </a:t>
             </a:r>
             <a:r>
-              <a:rPr lang="en-US" sz="1400" dirty="0" err="1" smtClean="0">
+              <a:rPr lang="en-US" sz="1400" dirty="0" err="1">
                 <a:latin typeface="Segoe UI" panose="020B0502040204020203" pitchFamily="34" charset="0"/>
                 <a:cs typeface="Segoe UI" panose="020B0502040204020203" pitchFamily="34" charset="0"/>
               </a:rPr>
               <a:t>Tensorflow</a:t>
             </a:r>
             <a:r>
-              <a:rPr lang="en-US" sz="1400" dirty="0" smtClean="0">
+              <a:rPr lang="en-US" sz="1400" dirty="0">
                 <a:latin typeface="Segoe UI" panose="020B0502040204020203" pitchFamily="34" charset="0"/>
                 <a:cs typeface="Segoe UI" panose="020B0502040204020203" pitchFamily="34" charset="0"/>
               </a:rPr>
@@ -4358,27 +4414,27 @@
               <a:defRPr/>
             </a:pPr>
             <a:r>
-              <a:rPr lang="en-US" sz="1400" dirty="0" smtClean="0">
+              <a:rPr lang="en-US" sz="1400" dirty="0">
                 <a:latin typeface="Segoe UI" panose="020B0502040204020203" pitchFamily="34" charset="0"/>
                 <a:cs typeface="Segoe UI" panose="020B0502040204020203" pitchFamily="34" charset="0"/>
               </a:rPr>
               <a:t>Train with SVM (from </a:t>
             </a:r>
             <a:r>
-              <a:rPr lang="en-US" sz="1400" dirty="0" err="1" smtClean="0">
+              <a:rPr lang="en-US" sz="1400" dirty="0" err="1">
                 <a:latin typeface="Segoe UI" panose="020B0502040204020203" pitchFamily="34" charset="0"/>
                 <a:cs typeface="Segoe UI" panose="020B0502040204020203" pitchFamily="34" charset="0"/>
               </a:rPr>
               <a:t>scikit</a:t>
             </a:r>
             <a:r>
-              <a:rPr lang="en-US" sz="1400" dirty="0" smtClean="0">
+              <a:rPr lang="en-US" sz="1400" dirty="0">
                 <a:latin typeface="Segoe UI" panose="020B0502040204020203" pitchFamily="34" charset="0"/>
                 <a:cs typeface="Segoe UI" panose="020B0502040204020203" pitchFamily="34" charset="0"/>
               </a:rPr>
               <a:t>-learn python package) with my custom parameters.</a:t>
             </a:r>
-            <a:endParaRPr lang="en-US" sz="1400" i="1" dirty="0" smtClean="0">
+            <a:endParaRPr lang="en-US" sz="1400" i="1" dirty="0">
               <a:latin typeface="Segoe UI" panose="020B0502040204020203" pitchFamily="34" charset="0"/>
               <a:cs typeface="Segoe UI" panose="020B0502040204020203" pitchFamily="34" charset="0"/>
             </a:endParaRPr>
@@ -4392,13 +4448,13 @@
               <a:defRPr/>
             </a:pPr>
             <a:r>
-              <a:rPr lang="en-US" sz="1400" dirty="0" smtClean="0">
+              <a:rPr lang="en-US" sz="1400" dirty="0">
                 <a:latin typeface="Segoe UI" panose="020B0502040204020203" pitchFamily="34" charset="0"/>
                 <a:cs typeface="Segoe UI" panose="020B0502040204020203" pitchFamily="34" charset="0"/>
               </a:rPr>
               <a:t>Test on 5 different train-test set (same as the original paper).</a:t>
             </a:r>
-            <a:endParaRPr lang="en-US" sz="1400" dirty="0" smtClean="0"/>
+            <a:endParaRPr lang="en-US" sz="1400" dirty="0"/>
           </a:p>
         </p:txBody>
       </p:sp>
@@ -4424,14 +4480,13 @@
           <a:lstStyle/>
           <a:p>
             <a:r>
-              <a:rPr lang="en-US" sz="1400" b="1" dirty="0" smtClean="0"/>
+              <a:rPr lang="en-US" sz="1400" b="1" dirty="0"/>
               <a:t>Table 1. </a:t>
             </a:r>
             <a:r>
-              <a:rPr lang="en-US" sz="1400" dirty="0" smtClean="0"/>
+              <a:rPr lang="en-US" sz="1400" dirty="0"/>
               <a:t>VGG-16(fc2) – SVM result on GTOS</a:t>
             </a:r>
-            <a:endParaRPr lang="en-US" sz="1400" dirty="0"/>
           </a:p>
         </p:txBody>
       </p:sp>
@@ -4445,25 +4500,18 @@
   <p:clrMapOvr>
     <a:masterClrMapping/>
   </p:clrMapOvr>
-  <mc:AlternateContent xmlns:mc="http://schemas.openxmlformats.org/markup-compatibility/2006">
-    <mc:Choice xmlns:p15="http://schemas.microsoft.com/office/powerpoint/2012/main" Requires="p15">
+  <mc:AlternateContent xmlns:mc="http://schemas.openxmlformats.org/markup-compatibility/2006" xmlns:p15="http://schemas.microsoft.com/office/powerpoint/2012/main">
+    <mc:Choice Requires="p15">
       <p:transition xmlns:p14="http://schemas.microsoft.com/office/powerpoint/2010/main" spd="slow" p14:dur="2000">
         <p15:prstTrans prst="drape"/>
       </p:transition>
     </mc:Choice>
-    <mc:Fallback>
+    <mc:Fallback xmlns="">
       <p:transition spd="slow">
         <p:fade/>
       </p:transition>
     </mc:Fallback>
   </mc:AlternateContent>
-  <p:timing>
-    <p:tnLst>
-      <p:par>
-        <p:cTn id="1" dur="indefinite" restart="never" nodeType="tmRoot"/>
-      </p:par>
-    </p:tnLst>
-  </p:timing>
 </p:sld>
 </file>
 
@@ -4503,16 +4551,12 @@
           <a:p>
             <a:pPr lvl="0"/>
             <a:r>
-              <a:rPr lang="en-US" dirty="0" smtClean="0">
+              <a:rPr lang="en-US" dirty="0">
                 <a:latin typeface="Segoe UI Light" panose="020B0502040204020203" pitchFamily="34" charset="0"/>
                 <a:cs typeface="Segoe UI Light" panose="020B0502040204020203" pitchFamily="34" charset="0"/>
               </a:rPr>
               <a:t>What’s next?</a:t>
             </a:r>
-            <a:endParaRPr lang="en-US" dirty="0">
-              <a:latin typeface="Segoe UI Light" panose="020B0502040204020203" pitchFamily="34" charset="0"/>
-              <a:cs typeface="Segoe UI Light" panose="020B0502040204020203" pitchFamily="34" charset="0"/>
-            </a:endParaRPr>
           </a:p>
         </p:txBody>
       </p:sp>
@@ -4835,7 +4879,7 @@
             <a:p>
               <a:pPr algn="ctr"/>
               <a:r>
-                <a:rPr lang="en-US" dirty="0" smtClean="0">
+                <a:rPr lang="en-US" dirty="0">
                   <a:solidFill>
                     <a:schemeClr val="bg1"/>
                   </a:solidFill>
@@ -4844,13 +4888,6 @@
                 </a:rPr>
                 <a:t>1</a:t>
               </a:r>
-              <a:endParaRPr lang="en-US" dirty="0">
-                <a:solidFill>
-                  <a:schemeClr val="bg1"/>
-                </a:solidFill>
-                <a:latin typeface="Segoe UI Semibold" panose="020B0702040204020203" pitchFamily="34" charset="0"/>
-                <a:cs typeface="Segoe UI Semibold" panose="020B0702040204020203" pitchFamily="34" charset="0"/>
-              </a:endParaRPr>
             </a:p>
           </p:txBody>
         </p:sp>
@@ -5078,7 +5115,7 @@
               <a:buNone/>
             </a:pPr>
             <a:r>
-              <a:rPr lang="en-US" sz="1400" dirty="0" smtClean="0">
+              <a:rPr lang="en-US" sz="1400" dirty="0">
                 <a:solidFill>
                   <a:prstClr val="black">
                     <a:lumMod val="75000"/>
@@ -5090,16 +5127,6 @@
               </a:rPr>
               <a:t>Prediction combined with SVM instead of combining final layer of CNN </a:t>
             </a:r>
-            <a:endParaRPr lang="en-US" sz="1400" dirty="0">
-              <a:solidFill>
-                <a:prstClr val="black">
-                  <a:lumMod val="75000"/>
-                  <a:lumOff val="25000"/>
-                </a:prstClr>
-              </a:solidFill>
-              <a:latin typeface="Segoe UI" panose="020B0502040204020203" pitchFamily="34" charset="0"/>
-              <a:cs typeface="Segoe UI" panose="020B0502040204020203" pitchFamily="34" charset="0"/>
-            </a:endParaRPr>
           </a:p>
         </p:txBody>
       </p:sp>
@@ -5161,13 +5188,13 @@
   <p:clrMapOvr>
     <a:masterClrMapping/>
   </p:clrMapOvr>
-  <mc:AlternateContent xmlns:mc="http://schemas.openxmlformats.org/markup-compatibility/2006">
-    <mc:Choice xmlns:p15="http://schemas.microsoft.com/office/powerpoint/2012/main" Requires="p15">
+  <mc:AlternateContent xmlns:mc="http://schemas.openxmlformats.org/markup-compatibility/2006" xmlns:p15="http://schemas.microsoft.com/office/powerpoint/2012/main">
+    <mc:Choice Requires="p15">
       <p:transition xmlns:p14="http://schemas.microsoft.com/office/powerpoint/2010/main" spd="slow" p14:dur="2000">
         <p15:prstTrans prst="drape"/>
       </p:transition>
     </mc:Choice>
-    <mc:Fallback>
+    <mc:Fallback xmlns="">
       <p:transition spd="slow">
         <p:fade/>
       </p:transition>
@@ -5518,13 +5545,6 @@
                 </a:rPr>
                 <a:t>2</a:t>
               </a:r>
-              <a:endParaRPr lang="en-US" dirty="0">
-                <a:solidFill>
-                  <a:schemeClr val="bg1"/>
-                </a:solidFill>
-                <a:latin typeface="Segoe UI Semibold" panose="020B0702040204020203" pitchFamily="34" charset="0"/>
-                <a:cs typeface="Segoe UI Semibold" panose="020B0702040204020203" pitchFamily="34" charset="0"/>
-              </a:endParaRPr>
             </a:p>
           </p:txBody>
         </p:sp>
@@ -5752,7 +5772,7 @@
               <a:buNone/>
             </a:pPr>
             <a:r>
-              <a:rPr lang="en-US" sz="1400" dirty="0" smtClean="0">
+              <a:rPr lang="en-US" sz="1400" dirty="0">
                 <a:solidFill>
                   <a:prstClr val="black">
                     <a:lumMod val="75000"/>
@@ -5764,16 +5784,6 @@
               </a:rPr>
               <a:t>Feature combined with SVM instead of combining intermedia layer of CNN </a:t>
             </a:r>
-            <a:endParaRPr lang="en-US" sz="1400" dirty="0">
-              <a:solidFill>
-                <a:prstClr val="black">
-                  <a:lumMod val="75000"/>
-                  <a:lumOff val="25000"/>
-                </a:prstClr>
-              </a:solidFill>
-              <a:latin typeface="Segoe UI" panose="020B0502040204020203" pitchFamily="34" charset="0"/>
-              <a:cs typeface="Segoe UI" panose="020B0502040204020203" pitchFamily="34" charset="0"/>
-            </a:endParaRPr>
           </a:p>
         </p:txBody>
       </p:sp>
@@ -5787,25 +5797,18 @@
   <p:clrMapOvr>
     <a:masterClrMapping/>
   </p:clrMapOvr>
-  <mc:AlternateContent xmlns:mc="http://schemas.openxmlformats.org/markup-compatibility/2006">
-    <mc:Choice xmlns:p15="http://schemas.microsoft.com/office/powerpoint/2012/main" Requires="p15">
+  <mc:AlternateContent xmlns:mc="http://schemas.openxmlformats.org/markup-compatibility/2006" xmlns:p15="http://schemas.microsoft.com/office/powerpoint/2012/main">
+    <mc:Choice Requires="p15">
       <p:transition xmlns:p14="http://schemas.microsoft.com/office/powerpoint/2010/main" spd="slow" p14:dur="2000">
         <p15:prstTrans prst="drape"/>
       </p:transition>
     </mc:Choice>
-    <mc:Fallback>
+    <mc:Fallback xmlns="">
       <p:transition spd="slow">
         <p:fade/>
       </p:transition>
     </mc:Fallback>
   </mc:AlternateContent>
-  <p:timing>
-    <p:tnLst>
-      <p:par>
-        <p:cTn id="1" dur="indefinite" restart="never" nodeType="tmRoot"/>
-      </p:par>
-    </p:tnLst>
-  </p:timing>
 </p:sld>
 </file>
 
@@ -6395,25 +6398,18 @@
   <p:clrMapOvr>
     <a:masterClrMapping/>
   </p:clrMapOvr>
-  <mc:AlternateContent xmlns:mc="http://schemas.openxmlformats.org/markup-compatibility/2006">
-    <mc:Choice xmlns:p15="http://schemas.microsoft.com/office/powerpoint/2012/main" Requires="p15">
+  <mc:AlternateContent xmlns:mc="http://schemas.openxmlformats.org/markup-compatibility/2006" xmlns:p15="http://schemas.microsoft.com/office/powerpoint/2012/main">
+    <mc:Choice Requires="p15">
       <p:transition xmlns:p14="http://schemas.microsoft.com/office/powerpoint/2010/main" spd="slow" p14:dur="2000">
         <p15:prstTrans prst="drape"/>
       </p:transition>
     </mc:Choice>
-    <mc:Fallback>
+    <mc:Fallback xmlns="">
       <p:transition spd="slow">
         <p:fade/>
       </p:transition>
     </mc:Fallback>
   </mc:AlternateContent>
-  <p:timing>
-    <p:tnLst>
-      <p:par>
-        <p:cTn id="1" dur="indefinite" restart="never" nodeType="tmRoot"/>
-      </p:par>
-    </p:tnLst>
-  </p:timing>
 </p:sld>
 </file>
 
@@ -6493,14 +6489,14 @@
               <a:buNone/>
             </a:pPr>
             <a:r>
-              <a:rPr lang="en-US" sz="2000" dirty="0" smtClean="0">
+              <a:rPr lang="en-US" sz="2000" dirty="0">
                 <a:latin typeface="Segoe UI Light" panose="020B0502040204020203" pitchFamily="34" charset="0"/>
                 <a:cs typeface="Segoe UI Light" panose="020B0502040204020203" pitchFamily="34" charset="0"/>
               </a:rPr>
               <a:t>For more detail please email me at </a:t>
             </a:r>
             <a:r>
-              <a:rPr lang="en-US" sz="2000" b="1" dirty="0" smtClean="0">
+              <a:rPr lang="en-US" sz="2000" b="1" dirty="0">
                 <a:solidFill>
                   <a:srgbClr val="D24726"/>
                 </a:solidFill>
@@ -6540,7 +6536,7 @@
               <a:buNone/>
             </a:pPr>
             <a:r>
-              <a:rPr lang="en-US" sz="2000" b="1" u="sng" dirty="0" smtClean="0">
+              <a:rPr lang="en-US" sz="2000" b="1" u="sng" dirty="0">
                 <a:solidFill>
                   <a:schemeClr val="accent1">
                     <a:lumMod val="75000"/>
@@ -6576,7 +6572,7 @@
               <a:buNone/>
             </a:pPr>
             <a:r>
-              <a:rPr lang="en-US" sz="2000" b="1" u="sng" dirty="0" smtClean="0">
+              <a:rPr lang="en-US" sz="2000" b="1" u="sng" dirty="0">
                 <a:solidFill>
                   <a:schemeClr val="accent1">
                     <a:lumMod val="75000"/>
@@ -6588,7 +6584,7 @@
               </a:rPr>
               <a:t>Interested in my work, you can find it here</a:t>
             </a:r>
-            <a:endParaRPr lang="en-US" sz="2000" b="1" u="sng" dirty="0" smtClean="0">
+            <a:endParaRPr lang="en-US" sz="2000" b="1" u="sng" dirty="0">
               <a:solidFill>
                 <a:schemeClr val="accent1">
                   <a:lumMod val="75000"/>
@@ -6612,7 +6608,7 @@
               <a:buNone/>
             </a:pPr>
             <a:r>
-              <a:rPr lang="en-US" sz="2000" b="1" u="sng" dirty="0" smtClean="0">
+              <a:rPr lang="en-US" sz="2000" b="1" u="sng" dirty="0">
                 <a:solidFill>
                   <a:schemeClr val="accent1">
                     <a:lumMod val="75000"/>
@@ -6625,7 +6621,7 @@
               <a:t>Give feedback about this </a:t>
             </a:r>
             <a:r>
-              <a:rPr lang="en-US" sz="2000" b="1" u="sng" dirty="0" smtClean="0">
+              <a:rPr lang="en-US" sz="2000" b="1" u="sng" dirty="0">
                 <a:solidFill>
                   <a:schemeClr val="accent1">
                     <a:lumMod val="75000"/>
@@ -6787,13 +6783,6 @@
       </p:transition>
     </mc:Fallback>
   </mc:AlternateContent>
-  <p:timing>
-    <p:tnLst>
-      <p:par>
-        <p:cTn id="1" dur="indefinite" restart="never" nodeType="tmRoot"/>
-      </p:par>
-    </p:tnLst>
-  </p:timing>
 </p:sld>
 </file>
 
@@ -7167,25 +7156,18 @@
   <p:clrMapOvr>
     <a:masterClrMapping/>
   </p:clrMapOvr>
-  <mc:AlternateContent xmlns:mc="http://schemas.openxmlformats.org/markup-compatibility/2006">
-    <mc:Choice xmlns:p15="http://schemas.microsoft.com/office/powerpoint/2012/main" Requires="p15">
+  <mc:AlternateContent xmlns:mc="http://schemas.openxmlformats.org/markup-compatibility/2006" xmlns:p15="http://schemas.microsoft.com/office/powerpoint/2012/main">
+    <mc:Choice Requires="p15">
       <p:transition xmlns:p14="http://schemas.microsoft.com/office/powerpoint/2010/main" spd="slow" p14:dur="2000">
         <p15:prstTrans prst="drape"/>
       </p:transition>
     </mc:Choice>
-    <mc:Fallback>
+    <mc:Fallback xmlns="">
       <p:transition spd="slow">
         <p:fade/>
       </p:transition>
     </mc:Fallback>
   </mc:AlternateContent>
-  <p:timing>
-    <p:tnLst>
-      <p:par>
-        <p:cTn id="1" dur="indefinite" restart="never" nodeType="tmRoot"/>
-      </p:par>
-    </p:tnLst>
-  </p:timing>
 </p:sld>
 </file>
 
@@ -9683,25 +9665,18 @@
   <p:clrMapOvr>
     <a:masterClrMapping/>
   </p:clrMapOvr>
-  <mc:AlternateContent xmlns:mc="http://schemas.openxmlformats.org/markup-compatibility/2006">
-    <mc:Choice xmlns:p15="http://schemas.microsoft.com/office/powerpoint/2012/main" Requires="p15">
+  <mc:AlternateContent xmlns:mc="http://schemas.openxmlformats.org/markup-compatibility/2006" xmlns:p15="http://schemas.microsoft.com/office/powerpoint/2012/main">
+    <mc:Choice Requires="p15">
       <p:transition xmlns:p14="http://schemas.microsoft.com/office/powerpoint/2010/main" spd="slow" p14:dur="2000">
         <p15:prstTrans prst="drape"/>
       </p:transition>
     </mc:Choice>
-    <mc:Fallback>
+    <mc:Fallback xmlns="">
       <p:transition spd="slow">
         <p:fade/>
       </p:transition>
     </mc:Fallback>
   </mc:AlternateContent>
-  <p:timing>
-    <p:tnLst>
-      <p:par>
-        <p:cTn id="1" dur="indefinite" restart="never" nodeType="tmRoot"/>
-      </p:par>
-    </p:tnLst>
-  </p:timing>
 </p:sld>
 </file>
 
@@ -10417,13 +10392,13 @@
   <p:clrMapOvr>
     <a:masterClrMapping/>
   </p:clrMapOvr>
-  <mc:AlternateContent xmlns:mc="http://schemas.openxmlformats.org/markup-compatibility/2006">
-    <mc:Choice xmlns:p15="http://schemas.microsoft.com/office/powerpoint/2012/main" Requires="p15">
+  <mc:AlternateContent xmlns:mc="http://schemas.openxmlformats.org/markup-compatibility/2006" xmlns:p15="http://schemas.microsoft.com/office/powerpoint/2012/main">
+    <mc:Choice Requires="p15">
       <p:transition xmlns:p14="http://schemas.microsoft.com/office/powerpoint/2010/main" spd="slow" p14:dur="2000">
         <p15:prstTrans prst="drape"/>
       </p:transition>
     </mc:Choice>
-    <mc:Fallback>
+    <mc:Fallback xmlns="">
       <p:transition spd="slow">
         <p:fade/>
       </p:transition>
@@ -11442,7 +11417,7 @@
               <a:t>Figure 1. </a:t>
             </a:r>
             <a:r>
-              <a:rPr lang="en-US" sz="1400" dirty="0" smtClean="0">
+              <a:rPr lang="en-US" sz="1400" dirty="0">
                 <a:solidFill>
                   <a:srgbClr val="131413"/>
                 </a:solidFill>
@@ -11463,13 +11438,13 @@
   <p:clrMapOvr>
     <a:masterClrMapping/>
   </p:clrMapOvr>
-  <mc:AlternateContent xmlns:mc="http://schemas.openxmlformats.org/markup-compatibility/2006">
-    <mc:Choice xmlns:p15="http://schemas.microsoft.com/office/powerpoint/2012/main" Requires="p15">
+  <mc:AlternateContent xmlns:mc="http://schemas.openxmlformats.org/markup-compatibility/2006" xmlns:p15="http://schemas.microsoft.com/office/powerpoint/2012/main">
+    <mc:Choice Requires="p15">
       <p:transition xmlns:p14="http://schemas.microsoft.com/office/powerpoint/2010/main" spd="slow" p14:dur="2000">
         <p15:prstTrans prst="drape"/>
       </p:transition>
     </mc:Choice>
-    <mc:Fallback>
+    <mc:Fallback xmlns="">
       <p:transition spd="slow">
         <p:fade/>
       </p:transition>
@@ -12511,13 +12486,13 @@
   <p:clrMapOvr>
     <a:masterClrMapping/>
   </p:clrMapOvr>
-  <mc:AlternateContent xmlns:mc="http://schemas.openxmlformats.org/markup-compatibility/2006">
-    <mc:Choice xmlns:p15="http://schemas.microsoft.com/office/powerpoint/2012/main" Requires="p15">
+  <mc:AlternateContent xmlns:mc="http://schemas.openxmlformats.org/markup-compatibility/2006" xmlns:p15="http://schemas.microsoft.com/office/powerpoint/2012/main">
+    <mc:Choice Requires="p15">
       <p:transition xmlns:p14="http://schemas.microsoft.com/office/powerpoint/2010/main" spd="slow" p14:dur="2000">
         <p15:prstTrans prst="drape"/>
       </p:transition>
     </mc:Choice>
-    <mc:Fallback>
+    <mc:Fallback xmlns="">
       <p:transition spd="slow">
         <p:fade/>
       </p:transition>
@@ -12820,25 +12795,18 @@
   <p:clrMapOvr>
     <a:masterClrMapping/>
   </p:clrMapOvr>
-  <mc:AlternateContent xmlns:mc="http://schemas.openxmlformats.org/markup-compatibility/2006">
-    <mc:Choice xmlns:p15="http://schemas.microsoft.com/office/powerpoint/2012/main" Requires="p15">
+  <mc:AlternateContent xmlns:mc="http://schemas.openxmlformats.org/markup-compatibility/2006" xmlns:p15="http://schemas.microsoft.com/office/powerpoint/2012/main">
+    <mc:Choice Requires="p15">
       <p:transition xmlns:p14="http://schemas.microsoft.com/office/powerpoint/2010/main" spd="slow" p14:dur="2000">
         <p15:prstTrans prst="drape"/>
       </p:transition>
     </mc:Choice>
-    <mc:Fallback>
+    <mc:Fallback xmlns="">
       <p:transition spd="slow">
         <p:fade/>
       </p:transition>
     </mc:Fallback>
   </mc:AlternateContent>
-  <p:timing>
-    <p:tnLst>
-      <p:par>
-        <p:cTn id="1" dur="indefinite" restart="never" nodeType="tmRoot"/>
-      </p:par>
-    </p:tnLst>
-  </p:timing>
 </p:sld>
 </file>
 
@@ -14097,25 +14065,18 @@
   <p:clrMapOvr>
     <a:masterClrMapping/>
   </p:clrMapOvr>
-  <mc:AlternateContent xmlns:mc="http://schemas.openxmlformats.org/markup-compatibility/2006">
-    <mc:Choice xmlns:p15="http://schemas.microsoft.com/office/powerpoint/2012/main" Requires="p15">
+  <mc:AlternateContent xmlns:mc="http://schemas.openxmlformats.org/markup-compatibility/2006" xmlns:p15="http://schemas.microsoft.com/office/powerpoint/2012/main">
+    <mc:Choice Requires="p15">
       <p:transition xmlns:p14="http://schemas.microsoft.com/office/powerpoint/2010/main" spd="slow" p14:dur="2000">
         <p15:prstTrans prst="drape"/>
       </p:transition>
     </mc:Choice>
-    <mc:Fallback>
+    <mc:Fallback xmlns="">
       <p:transition spd="slow">
         <p:fade/>
       </p:transition>
     </mc:Fallback>
   </mc:AlternateContent>
-  <p:timing>
-    <p:tnLst>
-      <p:par>
-        <p:cTn id="1" dur="indefinite" restart="never" nodeType="tmRoot"/>
-      </p:par>
-    </p:tnLst>
-  </p:timing>
 </p:sld>
 </file>
 
@@ -14385,7 +14346,7 @@
               <a:defRPr/>
             </a:pPr>
             <a:r>
-              <a:rPr lang="en-US" sz="1600" b="1" dirty="0" smtClean="0">
+              <a:rPr lang="en-US" sz="1600" b="1" dirty="0">
                 <a:solidFill>
                   <a:srgbClr val="D24726"/>
                 </a:solidFill>
@@ -14631,7 +14592,7 @@
               <a:defRPr/>
             </a:pPr>
             <a:r>
-              <a:rPr lang="en-US" sz="1400" dirty="0" smtClean="0">
+              <a:rPr lang="en-US" sz="1400" dirty="0">
                 <a:solidFill>
                   <a:srgbClr val="D24726"/>
                 </a:solidFill>
@@ -14641,25 +14602,11 @@
               <a:t>Name</a:t>
             </a:r>
             <a:r>
-              <a:rPr lang="en-US" sz="1400" dirty="0" smtClean="0">
-                <a:latin typeface="Segoe UI" panose="020B0502040204020203" pitchFamily="34" charset="0"/>
-                <a:cs typeface="Segoe UI" panose="020B0502040204020203" pitchFamily="34" charset="0"/>
-              </a:rPr>
-              <a:t> </a:t>
-            </a:r>
-            <a:r>
               <a:rPr lang="en-US" sz="1400" dirty="0">
                 <a:latin typeface="Segoe UI" panose="020B0502040204020203" pitchFamily="34" charset="0"/>
                 <a:cs typeface="Segoe UI" panose="020B0502040204020203" pitchFamily="34" charset="0"/>
               </a:rPr>
-              <a:t>Differential Angular Imaging for Material </a:t>
-            </a:r>
-            <a:r>
-              <a:rPr lang="en-US" sz="1400" dirty="0" smtClean="0">
-                <a:latin typeface="Segoe UI" panose="020B0502040204020203" pitchFamily="34" charset="0"/>
-                <a:cs typeface="Segoe UI" panose="020B0502040204020203" pitchFamily="34" charset="0"/>
-              </a:rPr>
-              <a:t>Recognition (DAIN)</a:t>
+              <a:t> Differential Angular Imaging for Material Recognition (DAIN)</a:t>
             </a:r>
           </a:p>
           <a:p>
@@ -14671,7 +14618,7 @@
               <a:defRPr/>
             </a:pPr>
             <a:r>
-              <a:rPr lang="en-US" sz="1400" dirty="0" smtClean="0">
+              <a:rPr lang="en-US" sz="1400" dirty="0">
                 <a:solidFill>
                   <a:srgbClr val="D24726"/>
                 </a:solidFill>
@@ -14681,25 +14628,11 @@
               <a:t>Dataset</a:t>
             </a:r>
             <a:r>
-              <a:rPr lang="en-US" sz="1400" dirty="0" smtClean="0">
-                <a:latin typeface="Segoe UI" panose="020B0502040204020203" pitchFamily="34" charset="0"/>
-                <a:cs typeface="Segoe UI" panose="020B0502040204020203" pitchFamily="34" charset="0"/>
-              </a:rPr>
-              <a:t> GTOS </a:t>
-            </a:r>
-            <a:r>
               <a:rPr lang="en-US" sz="1400" dirty="0">
                 <a:latin typeface="Segoe UI" panose="020B0502040204020203" pitchFamily="34" charset="0"/>
                 <a:cs typeface="Segoe UI" panose="020B0502040204020203" pitchFamily="34" charset="0"/>
               </a:rPr>
-              <a:t>(Ground Terrain in Outdoor Scenes</a:t>
-            </a:r>
-            <a:r>
-              <a:rPr lang="en-US" sz="1400" dirty="0" smtClean="0">
-                <a:latin typeface="Segoe UI" panose="020B0502040204020203" pitchFamily="34" charset="0"/>
-                <a:cs typeface="Segoe UI" panose="020B0502040204020203" pitchFamily="34" charset="0"/>
-              </a:rPr>
-              <a:t>).</a:t>
+              <a:t> GTOS (Ground Terrain in Outdoor Scenes).</a:t>
             </a:r>
           </a:p>
           <a:p>
@@ -14711,7 +14644,7 @@
               <a:defRPr/>
             </a:pPr>
             <a:r>
-              <a:rPr lang="en-US" sz="1400" dirty="0" smtClean="0">
+              <a:rPr lang="en-US" sz="1400" dirty="0">
                 <a:solidFill>
                   <a:srgbClr val="D24726"/>
                 </a:solidFill>
@@ -14721,7 +14654,7 @@
               <a:t>Authors</a:t>
             </a:r>
             <a:r>
-              <a:rPr lang="en-US" sz="1400" dirty="0" smtClean="0">
+              <a:rPr lang="en-US" sz="1400" dirty="0">
                 <a:latin typeface="Segoe UI" panose="020B0502040204020203" pitchFamily="34" charset="0"/>
                 <a:cs typeface="Segoe UI" panose="020B0502040204020203" pitchFamily="34" charset="0"/>
               </a:rPr>
@@ -14742,74 +14675,50 @@
               <a:t> </a:t>
             </a:r>
             <a:r>
-              <a:rPr lang="en-US" sz="1400" dirty="0" err="1" smtClean="0">
+              <a:rPr lang="en-US" sz="1400" dirty="0" err="1">
                 <a:latin typeface="Segoe UI" panose="020B0502040204020203" pitchFamily="34" charset="0"/>
                 <a:cs typeface="Segoe UI" panose="020B0502040204020203" pitchFamily="34" charset="0"/>
               </a:rPr>
               <a:t>Xue</a:t>
             </a:r>
             <a:r>
-              <a:rPr lang="en-US" sz="1400" dirty="0" smtClean="0">
+              <a:rPr lang="en-US" sz="1400" dirty="0">
                 <a:latin typeface="Segoe UI" panose="020B0502040204020203" pitchFamily="34" charset="0"/>
                 <a:cs typeface="Segoe UI" panose="020B0502040204020203" pitchFamily="34" charset="0"/>
               </a:rPr>
               <a:t>, Hang Zhang, Kristin Dana, </a:t>
             </a:r>
             <a:r>
-              <a:rPr lang="en-US" sz="1400" dirty="0" err="1" smtClean="0">
+              <a:rPr lang="en-US" sz="1400" dirty="0" err="1">
                 <a:latin typeface="Segoe UI" panose="020B0502040204020203" pitchFamily="34" charset="0"/>
                 <a:cs typeface="Segoe UI" panose="020B0502040204020203" pitchFamily="34" charset="0"/>
               </a:rPr>
               <a:t>Ko</a:t>
             </a:r>
             <a:r>
-              <a:rPr lang="en-US" sz="1400" dirty="0" smtClean="0">
+              <a:rPr lang="en-US" sz="1400" dirty="0">
                 <a:latin typeface="Segoe UI" panose="020B0502040204020203" pitchFamily="34" charset="0"/>
                 <a:cs typeface="Segoe UI" panose="020B0502040204020203" pitchFamily="34" charset="0"/>
               </a:rPr>
               <a:t> Nishino </a:t>
             </a:r>
             <a:r>
-              <a:rPr lang="en-US" sz="1400" i="1" dirty="0" smtClean="0">
+              <a:rPr lang="en-US" sz="1400" i="1" dirty="0">
                 <a:latin typeface="Segoe UI" panose="020B0502040204020203" pitchFamily="34" charset="0"/>
                 <a:cs typeface="Segoe UI" panose="020B0502040204020203" pitchFamily="34" charset="0"/>
               </a:rPr>
               <a:t>from</a:t>
             </a:r>
             <a:r>
-              <a:rPr lang="en-US" sz="1400" dirty="0" smtClean="0">
+              <a:rPr lang="en-US" sz="1400" dirty="0">
                 <a:latin typeface="Segoe UI" panose="020B0502040204020203" pitchFamily="34" charset="0"/>
                 <a:cs typeface="Segoe UI" panose="020B0502040204020203" pitchFamily="34" charset="0"/>
               </a:rPr>
               <a:t> </a:t>
             </a:r>
             <a:r>
-              <a:rPr lang="en-US" sz="1400" i="1" dirty="0" smtClean="0"/>
-              <a:t>Computer </a:t>
-            </a:r>
-            <a:r>
               <a:rPr lang="en-US" sz="1400" i="1" dirty="0"/>
-              <a:t>Vision Lab, Rutgers </a:t>
-            </a:r>
-            <a:r>
-              <a:rPr lang="en-US" sz="1400" i="1" dirty="0" smtClean="0"/>
-              <a:t>University</a:t>
-            </a:r>
-            <a:r>
-              <a:rPr lang="en-US" sz="1400" i="1" dirty="0"/>
-              <a:t> </a:t>
-            </a:r>
-            <a:r>
-              <a:rPr lang="en-US" sz="1400" i="1" dirty="0" smtClean="0"/>
-              <a:t>- </a:t>
-            </a:r>
-            <a:r>
-              <a:rPr lang="en-US" sz="1400" i="1" dirty="0"/>
-              <a:t>New </a:t>
-            </a:r>
-            <a:r>
-              <a:rPr lang="en-US" sz="1400" i="1" dirty="0" smtClean="0"/>
-              <a:t>Jersey (USA).</a:t>
+              <a:t>Computer Vision Lab, Rutgers University - New Jersey (USA).</a:t>
             </a:r>
           </a:p>
           <a:p>
@@ -14833,22 +14742,10 @@
               <a:t> </a:t>
             </a:r>
             <a:r>
-              <a:rPr lang="en-US" sz="1400" i="1" dirty="0" smtClean="0">
-                <a:hlinkClick r:id="rId2"/>
-              </a:rPr>
-              <a:t>http</a:t>
-            </a:r>
-            <a:r>
               <a:rPr lang="en-US" sz="1400" i="1" dirty="0">
                 <a:hlinkClick r:id="rId2"/>
               </a:rPr>
-              <a:t>://</a:t>
-            </a:r>
-            <a:r>
-              <a:rPr lang="en-US" sz="1400" i="1" dirty="0" smtClean="0">
-                <a:hlinkClick r:id="rId2"/>
-              </a:rPr>
-              <a:t>eceweb1.rutgers.edu/vision/index.html</a:t>
+              <a:t>http://eceweb1.rutgers.edu/vision/index.html</a:t>
             </a:r>
             <a:endParaRPr lang="en-US" sz="1400" i="1" dirty="0"/>
           </a:p>
@@ -14905,7 +14802,7 @@
           <a:effectLst/>
           <a:extLst>
             <a:ext uri="{C572A759-6A51-4108-AA02-DFA0A04FC94B}">
-              <ma14:wrappingTextBoxFlag xmlns="" xmlns:ma14="http://schemas.microsoft.com/office/mac/drawingml/2011/main"/>
+              <ma14:wrappingTextBoxFlag xmlns:ma14="http://schemas.microsoft.com/office/mac/drawingml/2011/main" xmlns=""/>
             </a:ext>
           </a:extLst>
         </p:spPr>
@@ -14994,25 +14891,18 @@
   <p:clrMapOvr>
     <a:masterClrMapping/>
   </p:clrMapOvr>
-  <mc:AlternateContent xmlns:mc="http://schemas.openxmlformats.org/markup-compatibility/2006">
-    <mc:Choice xmlns:p15="http://schemas.microsoft.com/office/powerpoint/2012/main" Requires="p15">
+  <mc:AlternateContent xmlns:mc="http://schemas.openxmlformats.org/markup-compatibility/2006" xmlns:p15="http://schemas.microsoft.com/office/powerpoint/2012/main">
+    <mc:Choice Requires="p15">
       <p:transition xmlns:p14="http://schemas.microsoft.com/office/powerpoint/2010/main" spd="slow" p14:dur="2000">
         <p15:prstTrans prst="drape"/>
       </p:transition>
     </mc:Choice>
-    <mc:Fallback>
+    <mc:Fallback xmlns="">
       <p:transition spd="slow">
         <p:fade/>
       </p:transition>
     </mc:Fallback>
   </mc:AlternateContent>
-  <p:timing>
-    <p:tnLst>
-      <p:par>
-        <p:cTn id="1" dur="indefinite" restart="never" nodeType="tmRoot"/>
-      </p:par>
-    </p:tnLst>
-  </p:timing>
 </p:sld>
 </file>
 
@@ -15282,7 +15172,7 @@
               <a:defRPr/>
             </a:pPr>
             <a:r>
-              <a:rPr lang="en-US" sz="1600" b="1" dirty="0" smtClean="0">
+              <a:rPr lang="en-US" sz="1600" b="1" dirty="0">
                 <a:solidFill>
                   <a:srgbClr val="D24726"/>
                 </a:solidFill>
@@ -15528,7 +15418,7 @@
               <a:defRPr/>
             </a:pPr>
             <a:r>
-              <a:rPr lang="en-US" sz="1400" dirty="0" smtClean="0">
+              <a:rPr lang="en-US" sz="1400" dirty="0">
                 <a:solidFill>
                   <a:srgbClr val="D24726"/>
                 </a:solidFill>
@@ -15538,7 +15428,7 @@
               <a:t>Newest</a:t>
             </a:r>
             <a:r>
-              <a:rPr lang="en-US" sz="1400" dirty="0" smtClean="0">
+              <a:rPr lang="en-US" sz="1400" dirty="0">
                 <a:latin typeface="Segoe UI" panose="020B0502040204020203" pitchFamily="34" charset="0"/>
                 <a:cs typeface="Segoe UI" panose="020B0502040204020203" pitchFamily="34" charset="0"/>
               </a:rPr>
@@ -15554,14 +15444,14 @@
               <a:defRPr/>
             </a:pPr>
             <a:r>
-              <a:rPr lang="en-US" sz="1400" dirty="0" smtClean="0">
+              <a:rPr lang="en-US" sz="1400" dirty="0">
                 <a:latin typeface="Segoe UI" panose="020B0502040204020203" pitchFamily="34" charset="0"/>
                 <a:cs typeface="Segoe UI" panose="020B0502040204020203" pitchFamily="34" charset="0"/>
               </a:rPr>
               <a:t>Work with a </a:t>
             </a:r>
             <a:r>
-              <a:rPr lang="en-US" sz="1400" dirty="0" smtClean="0">
+              <a:rPr lang="en-US" sz="1400" dirty="0">
                 <a:solidFill>
                   <a:srgbClr val="D24726"/>
                 </a:solidFill>
@@ -15571,53 +15461,18 @@
               <a:t>new dataset </a:t>
             </a:r>
             <a:r>
-              <a:rPr lang="en-US" sz="1400" dirty="0" smtClean="0">
-                <a:latin typeface="Segoe UI" panose="020B0502040204020203" pitchFamily="34" charset="0"/>
-                <a:cs typeface="Segoe UI" panose="020B0502040204020203" pitchFamily="34" charset="0"/>
-              </a:rPr>
-              <a:t>(GTOS - published 2016) – large scale, high quality</a:t>
-            </a:r>
-            <a:r>
               <a:rPr lang="en-US" sz="1400" dirty="0">
                 <a:latin typeface="Segoe UI" panose="020B0502040204020203" pitchFamily="34" charset="0"/>
                 <a:cs typeface="Segoe UI" panose="020B0502040204020203" pitchFamily="34" charset="0"/>
               </a:rPr>
-              <a:t>. </a:t>
-            </a:r>
-            <a:r>
-              <a:rPr lang="en-US" sz="1400" i="1" dirty="0" smtClean="0">
-                <a:latin typeface="Segoe UI" panose="020B0502040204020203" pitchFamily="34" charset="0"/>
-                <a:cs typeface="Segoe UI" panose="020B0502040204020203" pitchFamily="34" charset="0"/>
-              </a:rPr>
-              <a:t>Coming </a:t>
+              <a:t>(GTOS - published 2016) – large scale, high quality. </a:t>
             </a:r>
             <a:r>
               <a:rPr lang="en-US" sz="1400" i="1" dirty="0">
                 <a:latin typeface="Segoe UI" panose="020B0502040204020203" pitchFamily="34" charset="0"/>
                 <a:cs typeface="Segoe UI" panose="020B0502040204020203" pitchFamily="34" charset="0"/>
               </a:rPr>
-              <a:t>soon</a:t>
-            </a:r>
-            <a:r>
-              <a:rPr lang="en-US" sz="1400" i="1" dirty="0" smtClean="0">
-                <a:latin typeface="Segoe UI" panose="020B0502040204020203" pitchFamily="34" charset="0"/>
-                <a:cs typeface="Segoe UI" panose="020B0502040204020203" pitchFamily="34" charset="0"/>
-              </a:rPr>
-              <a:t>, GTIS </a:t>
-            </a:r>
-            <a:r>
-              <a:rPr lang="en-US" sz="1400" i="1" dirty="0">
-                <a:latin typeface="Segoe UI" panose="020B0502040204020203" pitchFamily="34" charset="0"/>
-                <a:cs typeface="Segoe UI" panose="020B0502040204020203" pitchFamily="34" charset="0"/>
-              </a:rPr>
-              <a:t>(Ground Terrain in Indoor </a:t>
-            </a:r>
-            <a:r>
-              <a:rPr lang="en-US" sz="1400" i="1" dirty="0" smtClean="0">
-                <a:latin typeface="Segoe UI" panose="020B0502040204020203" pitchFamily="34" charset="0"/>
-                <a:cs typeface="Segoe UI" panose="020B0502040204020203" pitchFamily="34" charset="0"/>
-              </a:rPr>
-              <a:t>Scenes) – more challenges.</a:t>
+              <a:t>Coming soon, GTIS (Ground Terrain in Indoor Scenes) – more challenges.</a:t>
             </a:r>
           </a:p>
           <a:p>
@@ -15629,7 +15484,7 @@
               <a:defRPr/>
             </a:pPr>
             <a:r>
-              <a:rPr lang="en-US" sz="1400" dirty="0" smtClean="0">
+              <a:rPr lang="en-US" sz="1400" dirty="0">
                 <a:solidFill>
                   <a:srgbClr val="D24726"/>
                 </a:solidFill>
@@ -15639,28 +15494,24 @@
               <a:t>Best result </a:t>
             </a:r>
             <a:r>
-              <a:rPr lang="en-US" sz="1400" dirty="0" smtClean="0">
+              <a:rPr lang="en-US" sz="1400" dirty="0">
                 <a:latin typeface="Segoe UI" panose="020B0502040204020203" pitchFamily="34" charset="0"/>
                 <a:cs typeface="Segoe UI" panose="020B0502040204020203" pitchFamily="34" charset="0"/>
               </a:rPr>
               <a:t>compare </a:t>
             </a:r>
             <a:r>
-              <a:rPr lang="en-US" sz="1400" dirty="0" smtClean="0"/>
-              <a:t>with </a:t>
-            </a:r>
-            <a:r>
               <a:rPr lang="en-US" sz="1400" dirty="0"/>
-              <a:t>the state of art algorithms </a:t>
-            </a:r>
-            <a:r>
-              <a:rPr lang="en-US" sz="1400" dirty="0" smtClean="0">
+              <a:t>with the state of art algorithms </a:t>
+            </a:r>
+            <a:r>
+              <a:rPr lang="en-US" sz="1400" dirty="0">
                 <a:latin typeface="Segoe UI" panose="020B0502040204020203" pitchFamily="34" charset="0"/>
                 <a:cs typeface="Segoe UI" panose="020B0502040204020203" pitchFamily="34" charset="0"/>
               </a:rPr>
               <a:t>on the same dataset.</a:t>
             </a:r>
-            <a:endParaRPr lang="en-US" sz="1400" dirty="0" smtClean="0"/>
+            <a:endParaRPr lang="en-US" sz="1400" dirty="0"/>
           </a:p>
           <a:p>
             <a:pPr marL="0" indent="0">
@@ -15671,14 +15522,14 @@
               <a:defRPr/>
             </a:pPr>
             <a:r>
-              <a:rPr lang="en-US" sz="1400" dirty="0" smtClean="0">
+              <a:rPr lang="en-US" sz="1400" dirty="0">
                 <a:latin typeface="Segoe UI" panose="020B0502040204020203" pitchFamily="34" charset="0"/>
                 <a:cs typeface="Segoe UI" panose="020B0502040204020203" pitchFamily="34" charset="0"/>
               </a:rPr>
               <a:t>The key idea of solution in this paper is </a:t>
             </a:r>
             <a:r>
-              <a:rPr lang="en-US" sz="1400" dirty="0" smtClean="0">
+              <a:rPr lang="en-US" sz="1400" dirty="0">
                 <a:solidFill>
                   <a:srgbClr val="D24726"/>
                 </a:solidFill>
@@ -15688,7 +15539,7 @@
               <a:t>not complex </a:t>
             </a:r>
             <a:r>
-              <a:rPr lang="en-US" sz="1400" dirty="0" smtClean="0">
+              <a:rPr lang="en-US" sz="1400" dirty="0">
                 <a:latin typeface="Segoe UI" panose="020B0502040204020203" pitchFamily="34" charset="0"/>
                 <a:cs typeface="Segoe UI" panose="020B0502040204020203" pitchFamily="34" charset="0"/>
               </a:rPr>
@@ -15704,7 +15555,7 @@
               <a:defRPr/>
             </a:pPr>
             <a:r>
-              <a:rPr lang="en-US" sz="1400" dirty="0" smtClean="0">
+              <a:rPr lang="en-US" sz="1400" dirty="0">
                 <a:solidFill>
                   <a:srgbClr val="D24726"/>
                 </a:solidFill>
@@ -15714,18 +15565,11 @@
               <a:t>Published</a:t>
             </a:r>
             <a:r>
-              <a:rPr lang="en-US" sz="1400" dirty="0" smtClean="0">
-                <a:latin typeface="Segoe UI" panose="020B0502040204020203" pitchFamily="34" charset="0"/>
-                <a:cs typeface="Segoe UI" panose="020B0502040204020203" pitchFamily="34" charset="0"/>
-              </a:rPr>
-              <a:t> source code. You can </a:t>
-            </a:r>
-            <a:r>
               <a:rPr lang="en-US" sz="1400" dirty="0">
                 <a:latin typeface="Segoe UI" panose="020B0502040204020203" pitchFamily="34" charset="0"/>
                 <a:cs typeface="Segoe UI" panose="020B0502040204020203" pitchFamily="34" charset="0"/>
               </a:rPr>
-              <a:t>download it here </a:t>
+              <a:t> source code. You can download it here </a:t>
             </a:r>
             <a:r>
               <a:rPr lang="en-US" sz="1400" dirty="0">
@@ -15793,7 +15637,7 @@
           <a:effectLst/>
           <a:extLst>
             <a:ext uri="{C572A759-6A51-4108-AA02-DFA0A04FC94B}">
-              <ma14:wrappingTextBoxFlag xmlns="" xmlns:ma14="http://schemas.microsoft.com/office/mac/drawingml/2011/main"/>
+              <ma14:wrappingTextBoxFlag xmlns:ma14="http://schemas.microsoft.com/office/mac/drawingml/2011/main" xmlns=""/>
             </a:ext>
           </a:extLst>
         </p:spPr>
@@ -15900,18 +15744,13 @@
           <a:lstStyle/>
           <a:p>
             <a:r>
-              <a:rPr lang="en-US" sz="1400" b="1" dirty="0" smtClean="0"/>
+              <a:rPr lang="en-US" sz="1400" b="1" dirty="0"/>
               <a:t>Figure 1</a:t>
             </a:r>
             <a:r>
               <a:rPr lang="en-US" sz="1400" dirty="0"/>
-              <a:t>. </a:t>
-            </a:r>
-            <a:r>
-              <a:rPr lang="en-US" sz="1400" dirty="0" smtClean="0"/>
-              <a:t>An image from GTOS dataset</a:t>
-            </a:r>
-            <a:endParaRPr lang="en-US" sz="1400" dirty="0"/>
+              <a:t>. An image from GTOS dataset</a:t>
+            </a:r>
           </a:p>
         </p:txBody>
       </p:sp>
@@ -15925,13 +15764,13 @@
   <p:clrMapOvr>
     <a:masterClrMapping/>
   </p:clrMapOvr>
-  <mc:AlternateContent xmlns:mc="http://schemas.openxmlformats.org/markup-compatibility/2006">
-    <mc:Choice xmlns:p15="http://schemas.microsoft.com/office/powerpoint/2012/main" Requires="p15">
+  <mc:AlternateContent xmlns:mc="http://schemas.openxmlformats.org/markup-compatibility/2006" xmlns:p15="http://schemas.microsoft.com/office/powerpoint/2012/main">
+    <mc:Choice Requires="p15">
       <p:transition xmlns:p14="http://schemas.microsoft.com/office/powerpoint/2010/main" spd="slow" p14:dur="2000">
         <p15:prstTrans prst="drape"/>
       </p:transition>
     </mc:Choice>
-    <mc:Fallback>
+    <mc:Fallback xmlns="">
       <p:transition spd="slow">
         <p:fade/>
       </p:transition>

--- a/summary/slides/main.pptx
+++ b/summary/slides/main.pptx
@@ -5,10 +5,10 @@
     <p:sldMasterId id="2147483660" r:id="rId1"/>
   </p:sldMasterIdLst>
   <p:notesMasterIdLst>
-    <p:notesMasterId r:id="rId19"/>
+    <p:notesMasterId r:id="rId21"/>
   </p:notesMasterIdLst>
   <p:handoutMasterIdLst>
-    <p:handoutMasterId r:id="rId20"/>
+    <p:handoutMasterId r:id="rId22"/>
   </p:handoutMasterIdLst>
   <p:sldIdLst>
     <p:sldId id="256" r:id="rId2"/>
@@ -25,9 +25,11 @@
     <p:sldId id="294" r:id="rId13"/>
     <p:sldId id="257" r:id="rId14"/>
     <p:sldId id="289" r:id="rId15"/>
-    <p:sldId id="290" r:id="rId16"/>
-    <p:sldId id="282" r:id="rId17"/>
-    <p:sldId id="286" r:id="rId18"/>
+    <p:sldId id="295" r:id="rId16"/>
+    <p:sldId id="296" r:id="rId17"/>
+    <p:sldId id="290" r:id="rId18"/>
+    <p:sldId id="282" r:id="rId19"/>
+    <p:sldId id="286" r:id="rId20"/>
   </p:sldIdLst>
   <p:sldSz cx="12192000" cy="6858000"/>
   <p:notesSz cx="6858000" cy="9144000"/>
@@ -149,6 +151,8 @@
             <p14:sldId id="294"/>
             <p14:sldId id="257"/>
             <p14:sldId id="289"/>
+            <p14:sldId id="295"/>
+            <p14:sldId id="296"/>
           </p14:sldIdLst>
         </p14:section>
         <p14:section name="Ending" id="{2CC34DB2-6590-42C0-AD4B-A04C6060184E}">
@@ -273,7 +277,7 @@
           <a:p>
             <a:fld id="{80680FBE-A8DF-4758-9AC4-3A9E1039168F}" type="datetimeFigureOut">
               <a:rPr lang="en-US" smtClean="0"/>
-              <a:t>1/25/2018</a:t>
+              <a:t>3/12/2018</a:t>
             </a:fld>
             <a:endParaRPr lang="en-US"/>
           </a:p>
@@ -438,7 +442,7 @@
           <a:p>
             <a:fld id="{EC13577B-6902-467D-A26C-08A0DD5E4E03}" type="datetimeFigureOut">
               <a:rPr lang="en-US" smtClean="0"/>
-              <a:t>1/25/2018</a:t>
+              <a:t>3/12/2018</a:t>
             </a:fld>
             <a:endParaRPr lang="en-US"/>
           </a:p>
@@ -1046,7 +1050,7 @@
           <a:p>
             <a:fld id="{DF61EA0F-A667-4B49-8422-0062BC55E249}" type="slidenum">
               <a:rPr lang="en-US" smtClean="0"/>
-              <a:t>16</a:t>
+              <a:t>18</a:t>
             </a:fld>
             <a:endParaRPr lang="en-US"/>
           </a:p>
@@ -1135,7 +1139,7 @@
           <a:p>
             <a:fld id="{DF61EA0F-A667-4B49-8422-0062BC55E249}" type="slidenum">
               <a:rPr lang="en-US" smtClean="0"/>
-              <a:t>17</a:t>
+              <a:t>19</a:t>
             </a:fld>
             <a:endParaRPr lang="en-US"/>
           </a:p>
@@ -1593,7 +1597,7 @@
             <a:fld id="{8BEEBAAA-29B5-4AF5-BC5F-7E580C29002D}" type="datetimeFigureOut">
               <a:rPr lang="en-US" smtClean="0"/>
               <a:pPr/>
-              <a:t>1/25/2018</a:t>
+              <a:t>3/12/2018</a:t>
             </a:fld>
             <a:endParaRPr lang="en-US" dirty="0"/>
           </a:p>
@@ -2254,7 +2258,7 @@
             <a:fld id="{8BEEBAAA-29B5-4AF5-BC5F-7E580C29002D}" type="datetimeFigureOut">
               <a:rPr lang="en-US" smtClean="0"/>
               <a:pPr/>
-              <a:t>1/25/2018</a:t>
+              <a:t>3/12/2018</a:t>
             </a:fld>
             <a:endParaRPr lang="en-US" dirty="0"/>
           </a:p>
@@ -2761,7 +2765,7 @@
         </p:spPr>
         <p:txBody>
           <a:bodyPr>
-            <a:normAutofit fontScale="92500" lnSpcReduction="20000"/>
+            <a:normAutofit/>
           </a:bodyPr>
           <a:lstStyle/>
           <a:p>
@@ -2810,70 +2814,14 @@
               <a:t>ơng</a:t>
             </a:r>
             <a:r>
-              <a:rPr lang="en-US" sz="2400">
+              <a:rPr lang="en-US" sz="2400" dirty="0">
                 <a:solidFill>
                   <a:schemeClr val="bg1"/>
                 </a:solidFill>
                 <a:latin typeface="+mj-lt"/>
               </a:rPr>
-              <a:t> Phúc Anh– </a:t>
-            </a:r>
-            <a:r>
-              <a:rPr lang="en-US" sz="2400" dirty="0">
-                <a:solidFill>
-                  <a:schemeClr val="bg1"/>
-                </a:solidFill>
-                <a:latin typeface="+mj-lt"/>
-              </a:rPr>
-              <a:t>14520040</a:t>
-            </a:r>
-          </a:p>
-          <a:p>
-            <a:pPr marL="0" indent="0">
-              <a:buNone/>
-            </a:pPr>
-            <a:r>
-              <a:rPr lang="en-US" sz="2400" dirty="0">
-                <a:solidFill>
-                  <a:schemeClr val="bg1"/>
-                </a:solidFill>
-                <a:latin typeface="+mj-lt"/>
-              </a:rPr>
-              <a:t>GVHD: Mai </a:t>
-            </a:r>
-            <a:r>
-              <a:rPr lang="en-US" sz="2400" dirty="0" err="1">
-                <a:solidFill>
-                  <a:schemeClr val="bg1"/>
-                </a:solidFill>
-                <a:latin typeface="+mj-lt"/>
-              </a:rPr>
-              <a:t>Tiến</a:t>
-            </a:r>
-            <a:r>
-              <a:rPr lang="en-US" sz="2400" dirty="0">
-                <a:solidFill>
-                  <a:schemeClr val="bg1"/>
-                </a:solidFill>
-                <a:latin typeface="+mj-lt"/>
-              </a:rPr>
-              <a:t> </a:t>
-            </a:r>
-            <a:r>
-              <a:rPr lang="en-US" sz="2400" dirty="0" err="1">
-                <a:solidFill>
-                  <a:schemeClr val="bg1"/>
-                </a:solidFill>
-                <a:latin typeface="+mj-lt"/>
-              </a:rPr>
-              <a:t>Dũng</a:t>
-            </a:r>
-            <a:endParaRPr lang="en-US" sz="2400" dirty="0">
-              <a:solidFill>
-                <a:schemeClr val="bg1"/>
-              </a:solidFill>
-              <a:latin typeface="+mj-lt"/>
-            </a:endParaRPr>
+              <a:t> Phúc Anh– 14520040</a:t>
+            </a:r>
           </a:p>
           <a:p>
             <a:pPr marL="0" indent="0">
@@ -4551,12 +4499,16 @@
           <a:p>
             <a:pPr lvl="0"/>
             <a:r>
-              <a:rPr lang="en-US" dirty="0">
+              <a:rPr lang="en-US" b="1" dirty="0" smtClean="0">
                 <a:latin typeface="Segoe UI Light" panose="020B0502040204020203" pitchFamily="34" charset="0"/>
                 <a:cs typeface="Segoe UI Light" panose="020B0502040204020203" pitchFamily="34" charset="0"/>
               </a:rPr>
-              <a:t>What’s next?</a:t>
-            </a:r>
+              <a:t>My approaches</a:t>
+            </a:r>
+            <a:endParaRPr lang="en-US" b="1" dirty="0">
+              <a:latin typeface="Segoe UI Light" panose="020B0502040204020203" pitchFamily="34" charset="0"/>
+              <a:cs typeface="Segoe UI Light" panose="020B0502040204020203" pitchFamily="34" charset="0"/>
+            </a:endParaRPr>
           </a:p>
         </p:txBody>
       </p:sp>
@@ -5399,8 +5351,12 @@
                 <a:latin typeface="Segoe UI Light" panose="020B0502040204020203" pitchFamily="34" charset="0"/>
                 <a:cs typeface="Segoe UI Light" panose="020B0502040204020203" pitchFamily="34" charset="0"/>
               </a:rPr>
-              <a:t>What’s next?</a:t>
-            </a:r>
+              <a:t>My approaches</a:t>
+            </a:r>
+            <a:endParaRPr lang="en-US" b="1" dirty="0">
+              <a:latin typeface="Segoe UI Light" panose="020B0502040204020203" pitchFamily="34" charset="0"/>
+              <a:cs typeface="Segoe UI Light" panose="020B0502040204020203" pitchFamily="34" charset="0"/>
+            </a:endParaRPr>
           </a:p>
         </p:txBody>
       </p:sp>
@@ -5831,6 +5787,1032 @@
       </p:grpSpPr>
       <p:sp>
         <p:nvSpPr>
+          <p:cNvPr id="3" name="Title 2"/>
+          <p:cNvSpPr>
+            <a:spLocks noGrp="1"/>
+          </p:cNvSpPr>
+          <p:nvPr>
+            <p:ph type="title"/>
+          </p:nvPr>
+        </p:nvSpPr>
+        <p:spPr/>
+        <p:txBody>
+          <a:bodyPr/>
+          <a:lstStyle/>
+          <a:p>
+            <a:r>
+              <a:rPr lang="en-US" b="1" dirty="0">
+                <a:latin typeface="Segoe UI Light" panose="020B0502040204020203" pitchFamily="34" charset="0"/>
+                <a:cs typeface="Segoe UI Light" panose="020B0502040204020203" pitchFamily="34" charset="0"/>
+              </a:rPr>
+              <a:t>My approaches</a:t>
+            </a:r>
+            <a:endParaRPr lang="en-US" b="1" dirty="0">
+              <a:latin typeface="Segoe UI Light" panose="020B0502040204020203" pitchFamily="34" charset="0"/>
+              <a:cs typeface="Segoe UI Light" panose="020B0502040204020203" pitchFamily="34" charset="0"/>
+            </a:endParaRPr>
+          </a:p>
+        </p:txBody>
+      </p:sp>
+      <p:grpSp>
+        <p:nvGrpSpPr>
+          <p:cNvPr id="6" name="Group 5" descr="Small circle with number 3 inside  indicating step 3"/>
+          <p:cNvGrpSpPr/>
+          <p:nvPr/>
+        </p:nvGrpSpPr>
+        <p:grpSpPr bwMode="blackWhite">
+          <a:xfrm>
+            <a:off x="3401587" y="5209839"/>
+            <a:ext cx="558179" cy="409838"/>
+            <a:chOff x="6953426" y="711274"/>
+            <a:chExt cx="558179" cy="409838"/>
+          </a:xfrm>
+        </p:grpSpPr>
+        <p:sp>
+          <p:nvSpPr>
+            <p:cNvPr id="7" name="Oval 6" descr="Small circle"/>
+            <p:cNvSpPr/>
+            <p:nvPr/>
+          </p:nvSpPr>
+          <p:spPr bwMode="blackWhite">
+            <a:xfrm>
+              <a:off x="7025069" y="711274"/>
+              <a:ext cx="409838" cy="409838"/>
+            </a:xfrm>
+            <a:prstGeom prst="ellipse">
+              <a:avLst/>
+            </a:prstGeom>
+            <a:solidFill>
+              <a:srgbClr val="D24726"/>
+            </a:solidFill>
+            <a:ln>
+              <a:noFill/>
+            </a:ln>
+          </p:spPr>
+          <p:style>
+            <a:lnRef idx="2">
+              <a:schemeClr val="accent1">
+                <a:shade val="50000"/>
+              </a:schemeClr>
+            </a:lnRef>
+            <a:fillRef idx="1">
+              <a:schemeClr val="accent1"/>
+            </a:fillRef>
+            <a:effectRef idx="0">
+              <a:schemeClr val="accent1"/>
+            </a:effectRef>
+            <a:fontRef idx="minor">
+              <a:schemeClr val="lt1"/>
+            </a:fontRef>
+          </p:style>
+          <p:txBody>
+            <a:bodyPr rtlCol="0" anchor="ctr"/>
+            <a:lstStyle/>
+            <a:p>
+              <a:pPr algn="ctr"/>
+              <a:endParaRPr lang="en-US"/>
+            </a:p>
+          </p:txBody>
+        </p:sp>
+        <p:sp>
+          <p:nvSpPr>
+            <p:cNvPr id="8" name="TextBox 7" descr="Number 3"/>
+            <p:cNvSpPr txBox="1"/>
+            <p:nvPr/>
+          </p:nvSpPr>
+          <p:spPr bwMode="blackWhite">
+            <a:xfrm>
+              <a:off x="6953426" y="727564"/>
+              <a:ext cx="558179" cy="369332"/>
+            </a:xfrm>
+            <a:prstGeom prst="rect">
+              <a:avLst/>
+            </a:prstGeom>
+            <a:noFill/>
+          </p:spPr>
+          <p:txBody>
+            <a:bodyPr wrap="square" rtlCol="0">
+              <a:spAutoFit/>
+            </a:bodyPr>
+            <a:lstStyle/>
+            <a:p>
+              <a:pPr algn="ctr"/>
+              <a:r>
+                <a:rPr lang="en-US" dirty="0">
+                  <a:solidFill>
+                    <a:schemeClr val="bg1"/>
+                  </a:solidFill>
+                  <a:latin typeface="Segoe UI Semibold" panose="020B0702040204020203" pitchFamily="34" charset="0"/>
+                  <a:cs typeface="Segoe UI Semibold" panose="020B0702040204020203" pitchFamily="34" charset="0"/>
+                </a:rPr>
+                <a:t>3</a:t>
+              </a:r>
+            </a:p>
+          </p:txBody>
+        </p:sp>
+      </p:grpSp>
+      <p:sp>
+        <p:nvSpPr>
+          <p:cNvPr id="9" name="Content Placeholder 17"/>
+          <p:cNvSpPr txBox="1">
+            <a:spLocks/>
+          </p:cNvSpPr>
+          <p:nvPr/>
+        </p:nvSpPr>
+        <p:spPr>
+          <a:xfrm>
+            <a:off x="3900334" y="5250031"/>
+            <a:ext cx="5116387" cy="697760"/>
+          </a:xfrm>
+          <a:prstGeom prst="rect">
+            <a:avLst/>
+          </a:prstGeom>
+        </p:spPr>
+        <p:txBody>
+          <a:bodyPr vert="horz" lIns="91440" tIns="45720" rIns="91440" bIns="45720" rtlCol="0">
+            <a:normAutofit/>
+          </a:bodyPr>
+          <a:lstStyle>
+            <a:lvl1pPr marL="228600" indent="-228600" algn="l" defTabSz="914400" rtl="0" eaLnBrk="1" latinLnBrk="0" hangingPunct="1">
+              <a:lnSpc>
+                <a:spcPts val="1800"/>
+              </a:lnSpc>
+              <a:spcBef>
+                <a:spcPts val="1000"/>
+              </a:spcBef>
+              <a:spcAft>
+                <a:spcPts val="1000"/>
+              </a:spcAft>
+              <a:buFont typeface="Arial" panose="020B0604020202020204" pitchFamily="34" charset="0"/>
+              <a:buChar char="•"/>
+              <a:defRPr lang="en-US" sz="1200" kern="1200" smtClean="0">
+                <a:solidFill>
+                  <a:schemeClr val="tx1">
+                    <a:lumMod val="75000"/>
+                    <a:lumOff val="25000"/>
+                  </a:schemeClr>
+                </a:solidFill>
+                <a:latin typeface="+mn-lt"/>
+                <a:ea typeface="+mn-ea"/>
+                <a:cs typeface="+mn-cs"/>
+              </a:defRPr>
+            </a:lvl1pPr>
+            <a:lvl2pPr marL="685800" indent="-228600" algn="l" defTabSz="914400" rtl="0" eaLnBrk="1" latinLnBrk="0" hangingPunct="1">
+              <a:lnSpc>
+                <a:spcPts val="1800"/>
+              </a:lnSpc>
+              <a:spcBef>
+                <a:spcPts val="1000"/>
+              </a:spcBef>
+              <a:spcAft>
+                <a:spcPts val="1000"/>
+              </a:spcAft>
+              <a:buFont typeface="Arial" panose="020B0604020202020204" pitchFamily="34" charset="0"/>
+              <a:buChar char="•"/>
+              <a:defRPr lang="en-US" sz="1200" kern="1200" smtClean="0">
+                <a:solidFill>
+                  <a:schemeClr val="tx1">
+                    <a:lumMod val="75000"/>
+                    <a:lumOff val="25000"/>
+                  </a:schemeClr>
+                </a:solidFill>
+                <a:latin typeface="+mn-lt"/>
+                <a:ea typeface="+mn-ea"/>
+                <a:cs typeface="+mn-cs"/>
+              </a:defRPr>
+            </a:lvl2pPr>
+            <a:lvl3pPr marL="1143000" indent="-228600" algn="l" defTabSz="914400" rtl="0" eaLnBrk="1" latinLnBrk="0" hangingPunct="1">
+              <a:lnSpc>
+                <a:spcPts val="1800"/>
+              </a:lnSpc>
+              <a:spcBef>
+                <a:spcPts val="1000"/>
+              </a:spcBef>
+              <a:spcAft>
+                <a:spcPts val="1000"/>
+              </a:spcAft>
+              <a:buFont typeface="Arial" panose="020B0604020202020204" pitchFamily="34" charset="0"/>
+              <a:buChar char="•"/>
+              <a:defRPr lang="en-US" sz="1200" kern="1200" smtClean="0">
+                <a:solidFill>
+                  <a:schemeClr val="tx1">
+                    <a:lumMod val="75000"/>
+                    <a:lumOff val="25000"/>
+                  </a:schemeClr>
+                </a:solidFill>
+                <a:latin typeface="+mn-lt"/>
+                <a:ea typeface="+mn-ea"/>
+                <a:cs typeface="+mn-cs"/>
+              </a:defRPr>
+            </a:lvl3pPr>
+            <a:lvl4pPr marL="1600200" indent="-228600" algn="l" defTabSz="914400" rtl="0" eaLnBrk="1" latinLnBrk="0" hangingPunct="1">
+              <a:lnSpc>
+                <a:spcPts val="1800"/>
+              </a:lnSpc>
+              <a:spcBef>
+                <a:spcPts val="1000"/>
+              </a:spcBef>
+              <a:spcAft>
+                <a:spcPts val="1000"/>
+              </a:spcAft>
+              <a:buFont typeface="Arial" panose="020B0604020202020204" pitchFamily="34" charset="0"/>
+              <a:buChar char="•"/>
+              <a:defRPr lang="en-US" sz="1200" kern="1200" smtClean="0">
+                <a:solidFill>
+                  <a:schemeClr val="tx1">
+                    <a:lumMod val="75000"/>
+                    <a:lumOff val="25000"/>
+                  </a:schemeClr>
+                </a:solidFill>
+                <a:latin typeface="+mn-lt"/>
+                <a:ea typeface="+mn-ea"/>
+                <a:cs typeface="+mn-cs"/>
+              </a:defRPr>
+            </a:lvl4pPr>
+            <a:lvl5pPr marL="2057400" indent="-228600" algn="l" defTabSz="914400" rtl="0" eaLnBrk="1" latinLnBrk="0" hangingPunct="1">
+              <a:lnSpc>
+                <a:spcPts val="1800"/>
+              </a:lnSpc>
+              <a:spcBef>
+                <a:spcPts val="1000"/>
+              </a:spcBef>
+              <a:spcAft>
+                <a:spcPts val="1000"/>
+              </a:spcAft>
+              <a:buFont typeface="Arial" panose="020B0604020202020204" pitchFamily="34" charset="0"/>
+              <a:buChar char="•"/>
+              <a:defRPr lang="en-US" sz="1200" kern="1200">
+                <a:solidFill>
+                  <a:schemeClr val="tx1">
+                    <a:lumMod val="75000"/>
+                    <a:lumOff val="25000"/>
+                  </a:schemeClr>
+                </a:solidFill>
+                <a:latin typeface="+mn-lt"/>
+                <a:ea typeface="+mn-ea"/>
+                <a:cs typeface="+mn-cs"/>
+              </a:defRPr>
+            </a:lvl5pPr>
+            <a:lvl6pPr marL="2514600" indent="-228600" algn="l" defTabSz="914400" rtl="0" eaLnBrk="1" latinLnBrk="0" hangingPunct="1">
+              <a:lnSpc>
+                <a:spcPct val="90000"/>
+              </a:lnSpc>
+              <a:spcBef>
+                <a:spcPct val="30000"/>
+              </a:spcBef>
+              <a:buFont typeface="Arial" panose="020B0604020202020204" pitchFamily="34" charset="0"/>
+              <a:buChar char="•"/>
+              <a:defRPr sz="1800" kern="1200">
+                <a:solidFill>
+                  <a:schemeClr val="tx1"/>
+                </a:solidFill>
+                <a:latin typeface="+mn-lt"/>
+                <a:ea typeface="+mn-ea"/>
+                <a:cs typeface="+mn-cs"/>
+              </a:defRPr>
+            </a:lvl6pPr>
+            <a:lvl7pPr marL="2971800" indent="-228600" algn="l" defTabSz="914400" rtl="0" eaLnBrk="1" latinLnBrk="0" hangingPunct="1">
+              <a:lnSpc>
+                <a:spcPct val="90000"/>
+              </a:lnSpc>
+              <a:spcBef>
+                <a:spcPct val="30000"/>
+              </a:spcBef>
+              <a:buFont typeface="Arial" panose="020B0604020202020204" pitchFamily="34" charset="0"/>
+              <a:buChar char="•"/>
+              <a:defRPr sz="1800" kern="1200">
+                <a:solidFill>
+                  <a:schemeClr val="tx1"/>
+                </a:solidFill>
+                <a:latin typeface="+mn-lt"/>
+                <a:ea typeface="+mn-ea"/>
+                <a:cs typeface="+mn-cs"/>
+              </a:defRPr>
+            </a:lvl7pPr>
+            <a:lvl8pPr marL="3429000" indent="-228600" algn="l" defTabSz="914400" rtl="0" eaLnBrk="1" latinLnBrk="0" hangingPunct="1">
+              <a:lnSpc>
+                <a:spcPct val="90000"/>
+              </a:lnSpc>
+              <a:spcBef>
+                <a:spcPct val="30000"/>
+              </a:spcBef>
+              <a:buFont typeface="Arial" panose="020B0604020202020204" pitchFamily="34" charset="0"/>
+              <a:buChar char="•"/>
+              <a:defRPr sz="1800" kern="1200">
+                <a:solidFill>
+                  <a:schemeClr val="tx1"/>
+                </a:solidFill>
+                <a:latin typeface="+mn-lt"/>
+                <a:ea typeface="+mn-ea"/>
+                <a:cs typeface="+mn-cs"/>
+              </a:defRPr>
+            </a:lvl8pPr>
+            <a:lvl9pPr marL="3886200" indent="-228600" algn="l" defTabSz="914400" rtl="0" eaLnBrk="1" latinLnBrk="0" hangingPunct="1">
+              <a:lnSpc>
+                <a:spcPct val="90000"/>
+              </a:lnSpc>
+              <a:spcBef>
+                <a:spcPct val="30000"/>
+              </a:spcBef>
+              <a:buFont typeface="Arial" panose="020B0604020202020204" pitchFamily="34" charset="0"/>
+              <a:buChar char="•"/>
+              <a:defRPr sz="1800" kern="1200">
+                <a:solidFill>
+                  <a:schemeClr val="tx1"/>
+                </a:solidFill>
+                <a:latin typeface="+mn-lt"/>
+                <a:ea typeface="+mn-ea"/>
+                <a:cs typeface="+mn-cs"/>
+              </a:defRPr>
+            </a:lvl9pPr>
+          </a:lstStyle>
+          <a:p>
+            <a:pPr marL="0" indent="0">
+              <a:spcAft>
+                <a:spcPts val="2000"/>
+              </a:spcAft>
+              <a:buNone/>
+            </a:pPr>
+            <a:r>
+              <a:rPr lang="en-US" sz="1400" dirty="0" smtClean="0">
+                <a:solidFill>
+                  <a:prstClr val="black">
+                    <a:lumMod val="75000"/>
+                    <a:lumOff val="25000"/>
+                  </a:prstClr>
+                </a:solidFill>
+                <a:latin typeface="Segoe UI" panose="020B0502040204020203" pitchFamily="34" charset="0"/>
+                <a:cs typeface="Segoe UI" panose="020B0502040204020203" pitchFamily="34" charset="0"/>
+              </a:rPr>
+              <a:t>Combine both features and prediction</a:t>
+            </a:r>
+            <a:endParaRPr lang="en-US" sz="1400" dirty="0">
+              <a:solidFill>
+                <a:prstClr val="black">
+                  <a:lumMod val="75000"/>
+                  <a:lumOff val="25000"/>
+                </a:prstClr>
+              </a:solidFill>
+              <a:latin typeface="Segoe UI" panose="020B0502040204020203" pitchFamily="34" charset="0"/>
+              <a:cs typeface="Segoe UI" panose="020B0502040204020203" pitchFamily="34" charset="0"/>
+            </a:endParaRPr>
+          </a:p>
+        </p:txBody>
+      </p:sp>
+      <p:pic>
+        <p:nvPicPr>
+          <p:cNvPr id="2" name="Picture 1"/>
+          <p:cNvPicPr>
+            <a:picLocks noChangeAspect="1"/>
+          </p:cNvPicPr>
+          <p:nvPr/>
+        </p:nvPicPr>
+        <p:blipFill>
+          <a:blip r:embed="rId2"/>
+          <a:stretch>
+            <a:fillRect/>
+          </a:stretch>
+        </p:blipFill>
+        <p:spPr>
+          <a:xfrm>
+            <a:off x="1539397" y="1517897"/>
+            <a:ext cx="7515225" cy="3467100"/>
+          </a:xfrm>
+          <a:prstGeom prst="rect">
+            <a:avLst/>
+          </a:prstGeom>
+        </p:spPr>
+      </p:pic>
+    </p:spTree>
+    <p:extLst>
+      <p:ext uri="{BB962C8B-B14F-4D97-AF65-F5344CB8AC3E}">
+        <p14:creationId xmlns:p14="http://schemas.microsoft.com/office/powerpoint/2010/main" val="2057111834"/>
+      </p:ext>
+    </p:extLst>
+  </p:cSld>
+  <p:clrMapOvr>
+    <a:masterClrMapping/>
+  </p:clrMapOvr>
+  <mc:AlternateContent xmlns:mc="http://schemas.openxmlformats.org/markup-compatibility/2006" xmlns:p15="http://schemas.microsoft.com/office/powerpoint/2012/main">
+    <mc:Choice Requires="p15">
+      <p:transition xmlns:p14="http://schemas.microsoft.com/office/powerpoint/2010/main" spd="slow" p14:dur="2000">
+        <p15:prstTrans prst="drape"/>
+      </p:transition>
+    </mc:Choice>
+    <mc:Fallback xmlns="">
+      <p:transition spd="slow">
+        <p:fade/>
+      </p:transition>
+    </mc:Fallback>
+  </mc:AlternateContent>
+</p:sld>
+</file>
+
+<file path=ppt/slides/slide16.xml><?xml version="1.0" encoding="utf-8"?>
+<p:sld xmlns:a="http://schemas.openxmlformats.org/drawingml/2006/main" xmlns:r="http://schemas.openxmlformats.org/officeDocument/2006/relationships" xmlns:p="http://schemas.openxmlformats.org/presentationml/2006/main">
+  <p:cSld>
+    <p:spTree>
+      <p:nvGrpSpPr>
+        <p:cNvPr id="1" name=""/>
+        <p:cNvGrpSpPr/>
+        <p:nvPr/>
+      </p:nvGrpSpPr>
+      <p:grpSpPr>
+        <a:xfrm>
+          <a:off x="0" y="0"/>
+          <a:ext cx="0" cy="0"/>
+          <a:chOff x="0" y="0"/>
+          <a:chExt cx="0" cy="0"/>
+        </a:xfrm>
+      </p:grpSpPr>
+      <p:sp>
+        <p:nvSpPr>
+          <p:cNvPr id="3" name="Title 2"/>
+          <p:cNvSpPr>
+            <a:spLocks noGrp="1"/>
+          </p:cNvSpPr>
+          <p:nvPr>
+            <p:ph type="title"/>
+          </p:nvPr>
+        </p:nvSpPr>
+        <p:spPr/>
+        <p:txBody>
+          <a:bodyPr/>
+          <a:lstStyle/>
+          <a:p>
+            <a:r>
+              <a:rPr lang="en-US" b="1" dirty="0">
+                <a:latin typeface="Segoe UI Light" panose="020B0502040204020203" pitchFamily="34" charset="0"/>
+                <a:cs typeface="Segoe UI Light" panose="020B0502040204020203" pitchFamily="34" charset="0"/>
+              </a:rPr>
+              <a:t>My </a:t>
+            </a:r>
+            <a:r>
+              <a:rPr lang="en-US" b="1" dirty="0" smtClean="0">
+                <a:latin typeface="Segoe UI Light" panose="020B0502040204020203" pitchFamily="34" charset="0"/>
+                <a:cs typeface="Segoe UI Light" panose="020B0502040204020203" pitchFamily="34" charset="0"/>
+              </a:rPr>
+              <a:t>current results</a:t>
+            </a:r>
+            <a:endParaRPr lang="en-US" b="1" dirty="0">
+              <a:latin typeface="Segoe UI Light" panose="020B0502040204020203" pitchFamily="34" charset="0"/>
+              <a:cs typeface="Segoe UI Light" panose="020B0502040204020203" pitchFamily="34" charset="0"/>
+            </a:endParaRPr>
+          </a:p>
+        </p:txBody>
+      </p:sp>
+      <p:graphicFrame>
+        <p:nvGraphicFramePr>
+          <p:cNvPr id="10" name="Table 9"/>
+          <p:cNvGraphicFramePr>
+            <a:graphicFrameLocks noGrp="1"/>
+          </p:cNvGraphicFramePr>
+          <p:nvPr>
+            <p:extLst>
+              <p:ext uri="{D42A27DB-BD31-4B8C-83A1-F6EECF244321}">
+                <p14:modId xmlns:p14="http://schemas.microsoft.com/office/powerpoint/2010/main" val="3769867856"/>
+              </p:ext>
+            </p:extLst>
+          </p:nvPr>
+        </p:nvGraphicFramePr>
+        <p:xfrm>
+          <a:off x="1996489" y="1527534"/>
+          <a:ext cx="8128000" cy="3754120"/>
+        </p:xfrm>
+        <a:graphic>
+          <a:graphicData uri="http://schemas.openxmlformats.org/drawingml/2006/table">
+            <a:tbl>
+              <a:tblPr firstRow="1" bandRow="1">
+                <a:tableStyleId>{9D7B26C5-4107-4FEC-AEDC-1716B250A1EF}</a:tableStyleId>
+              </a:tblPr>
+              <a:tblGrid>
+                <a:gridCol w="4064000">
+                  <a:extLst>
+                    <a:ext uri="{9D8B030D-6E8A-4147-A177-3AD203B41FA5}">
+                      <a16:colId xmlns:a16="http://schemas.microsoft.com/office/drawing/2014/main" val="1462781785"/>
+                    </a:ext>
+                  </a:extLst>
+                </a:gridCol>
+                <a:gridCol w="4064000">
+                  <a:extLst>
+                    <a:ext uri="{9D8B030D-6E8A-4147-A177-3AD203B41FA5}">
+                      <a16:colId xmlns:a16="http://schemas.microsoft.com/office/drawing/2014/main" val="2522580880"/>
+                    </a:ext>
+                  </a:extLst>
+                </a:gridCol>
+              </a:tblGrid>
+              <a:tr h="370840">
+                <a:tc>
+                  <a:txBody>
+                    <a:bodyPr/>
+                    <a:lstStyle/>
+                    <a:p>
+                      <a:r>
+                        <a:rPr lang="en-US" b="0" dirty="0" smtClean="0"/>
+                        <a:t>Method</a:t>
+                      </a:r>
+                      <a:endParaRPr lang="en-US" b="0" dirty="0"/>
+                    </a:p>
+                  </a:txBody>
+                  <a:tcPr/>
+                </a:tc>
+                <a:tc>
+                  <a:txBody>
+                    <a:bodyPr/>
+                    <a:lstStyle/>
+                    <a:p>
+                      <a:r>
+                        <a:rPr lang="en-US" b="0" dirty="0"/>
+                        <a:t>Accuracy</a:t>
+                      </a:r>
+                    </a:p>
+                  </a:txBody>
+                  <a:tcPr/>
+                </a:tc>
+                <a:extLst>
+                  <a:ext uri="{0D108BD9-81ED-4DB2-BD59-A6C34878D82A}">
+                    <a16:rowId xmlns:a16="http://schemas.microsoft.com/office/drawing/2014/main" val="3729825422"/>
+                  </a:ext>
+                </a:extLst>
+              </a:tr>
+              <a:tr h="370840">
+                <a:tc>
+                  <a:txBody>
+                    <a:bodyPr/>
+                    <a:lstStyle/>
+                    <a:p>
+                      <a:r>
+                        <a:rPr lang="en-US" b="0" dirty="0" smtClean="0"/>
+                        <a:t>Combine</a:t>
+                      </a:r>
+                      <a:r>
+                        <a:rPr lang="en-US" b="0" baseline="0" dirty="0" smtClean="0"/>
+                        <a:t> feature (original image+ edges information)</a:t>
+                      </a:r>
+                      <a:endParaRPr lang="en-US" b="0" dirty="0"/>
+                    </a:p>
+                  </a:txBody>
+                  <a:tcPr/>
+                </a:tc>
+                <a:tc>
+                  <a:txBody>
+                    <a:bodyPr/>
+                    <a:lstStyle/>
+                    <a:p>
+                      <a:r>
+                        <a:rPr lang="en-US" dirty="0" smtClean="0"/>
+                        <a:t>77.85% ± 2.75%</a:t>
+                      </a:r>
+                      <a:endParaRPr lang="en-US" b="0" dirty="0"/>
+                    </a:p>
+                  </a:txBody>
+                  <a:tcPr/>
+                </a:tc>
+                <a:extLst>
+                  <a:ext uri="{0D108BD9-81ED-4DB2-BD59-A6C34878D82A}">
+                    <a16:rowId xmlns:a16="http://schemas.microsoft.com/office/drawing/2014/main" val="4124774345"/>
+                  </a:ext>
+                </a:extLst>
+              </a:tr>
+              <a:tr h="370840">
+                <a:tc>
+                  <a:txBody>
+                    <a:bodyPr/>
+                    <a:lstStyle/>
+                    <a:p>
+                      <a:r>
+                        <a:rPr lang="en-US" b="0" dirty="0" smtClean="0"/>
+                        <a:t>Combine</a:t>
+                      </a:r>
+                      <a:r>
+                        <a:rPr lang="en-US" b="0" baseline="0" dirty="0" smtClean="0"/>
+                        <a:t> feature (original image+ edges information) and combine prediction</a:t>
+                      </a:r>
+                      <a:endParaRPr lang="en-US" b="0" dirty="0"/>
+                    </a:p>
+                  </a:txBody>
+                  <a:tcPr/>
+                </a:tc>
+                <a:tc>
+                  <a:txBody>
+                    <a:bodyPr/>
+                    <a:lstStyle/>
+                    <a:p>
+                      <a:r>
+                        <a:rPr lang="en-US" dirty="0" smtClean="0"/>
+                        <a:t>78.75% ± 2.56%</a:t>
+                      </a:r>
+                      <a:endParaRPr lang="en-US" b="0" dirty="0"/>
+                    </a:p>
+                  </a:txBody>
+                  <a:tcPr/>
+                </a:tc>
+                <a:extLst>
+                  <a:ext uri="{0D108BD9-81ED-4DB2-BD59-A6C34878D82A}">
+                    <a16:rowId xmlns:a16="http://schemas.microsoft.com/office/drawing/2014/main" val="170277671"/>
+                  </a:ext>
+                </a:extLst>
+              </a:tr>
+              <a:tr h="370840">
+                <a:tc>
+                  <a:txBody>
+                    <a:bodyPr/>
+                    <a:lstStyle/>
+                    <a:p>
+                      <a:r>
+                        <a:rPr lang="en-US" b="0" dirty="0" smtClean="0"/>
+                        <a:t>Combine</a:t>
+                      </a:r>
+                      <a:r>
+                        <a:rPr lang="en-US" b="0" baseline="0" dirty="0" smtClean="0"/>
+                        <a:t> feature (original image+ edges information + texture information)</a:t>
+                      </a:r>
+                      <a:endParaRPr lang="en-US" b="0" dirty="0"/>
+                    </a:p>
+                  </a:txBody>
+                  <a:tcPr/>
+                </a:tc>
+                <a:tc>
+                  <a:txBody>
+                    <a:bodyPr/>
+                    <a:lstStyle/>
+                    <a:p>
+                      <a:r>
+                        <a:rPr lang="en-US" dirty="0" smtClean="0"/>
+                        <a:t>78.88% ± 2.57%</a:t>
+                      </a:r>
+                      <a:endParaRPr lang="en-US" b="0" dirty="0"/>
+                    </a:p>
+                  </a:txBody>
+                  <a:tcPr/>
+                </a:tc>
+                <a:extLst>
+                  <a:ext uri="{0D108BD9-81ED-4DB2-BD59-A6C34878D82A}">
+                    <a16:rowId xmlns:a16="http://schemas.microsoft.com/office/drawing/2014/main" val="3376916235"/>
+                  </a:ext>
+                </a:extLst>
+              </a:tr>
+              <a:tr h="370840">
+                <a:tc>
+                  <a:txBody>
+                    <a:bodyPr/>
+                    <a:lstStyle/>
+                    <a:p>
+                      <a:r>
+                        <a:rPr lang="en-US" b="0" dirty="0" smtClean="0"/>
+                        <a:t>Combine</a:t>
+                      </a:r>
+                      <a:r>
+                        <a:rPr lang="en-US" b="0" baseline="0" dirty="0" smtClean="0"/>
+                        <a:t> feature (original image+ edges information + texture information) and combine prediction</a:t>
+                      </a:r>
+                      <a:endParaRPr lang="en-US" b="0" dirty="0"/>
+                    </a:p>
+                  </a:txBody>
+                  <a:tcPr/>
+                </a:tc>
+                <a:tc>
+                  <a:txBody>
+                    <a:bodyPr/>
+                    <a:lstStyle/>
+                    <a:p>
+                      <a:r>
+                        <a:rPr lang="en-US" dirty="0" smtClean="0"/>
+                        <a:t>82.2% ± 2.21%</a:t>
+                      </a:r>
+                      <a:endParaRPr lang="en-US" b="0" dirty="0"/>
+                    </a:p>
+                  </a:txBody>
+                  <a:tcPr/>
+                </a:tc>
+                <a:extLst>
+                  <a:ext uri="{0D108BD9-81ED-4DB2-BD59-A6C34878D82A}">
+                    <a16:rowId xmlns:a16="http://schemas.microsoft.com/office/drawing/2014/main" val="3588893216"/>
+                  </a:ext>
+                </a:extLst>
+              </a:tr>
+            </a:tbl>
+          </a:graphicData>
+        </a:graphic>
+      </p:graphicFrame>
+      <p:sp>
+        <p:nvSpPr>
+          <p:cNvPr id="11" name="Content Placeholder 17"/>
+          <p:cNvSpPr txBox="1">
+            <a:spLocks/>
+          </p:cNvSpPr>
+          <p:nvPr/>
+        </p:nvSpPr>
+        <p:spPr>
+          <a:xfrm>
+            <a:off x="3959766" y="5372172"/>
+            <a:ext cx="5116387" cy="697760"/>
+          </a:xfrm>
+          <a:prstGeom prst="rect">
+            <a:avLst/>
+          </a:prstGeom>
+        </p:spPr>
+        <p:txBody>
+          <a:bodyPr vert="horz" lIns="91440" tIns="45720" rIns="91440" bIns="45720" rtlCol="0">
+            <a:normAutofit/>
+          </a:bodyPr>
+          <a:lstStyle>
+            <a:lvl1pPr marL="228600" indent="-228600" algn="l" defTabSz="914400" rtl="0" eaLnBrk="1" latinLnBrk="0" hangingPunct="1">
+              <a:lnSpc>
+                <a:spcPts val="1800"/>
+              </a:lnSpc>
+              <a:spcBef>
+                <a:spcPts val="1000"/>
+              </a:spcBef>
+              <a:spcAft>
+                <a:spcPts val="1000"/>
+              </a:spcAft>
+              <a:buFont typeface="Arial" panose="020B0604020202020204" pitchFamily="34" charset="0"/>
+              <a:buChar char="•"/>
+              <a:defRPr lang="en-US" sz="1200" kern="1200" smtClean="0">
+                <a:solidFill>
+                  <a:schemeClr val="tx1">
+                    <a:lumMod val="75000"/>
+                    <a:lumOff val="25000"/>
+                  </a:schemeClr>
+                </a:solidFill>
+                <a:latin typeface="+mn-lt"/>
+                <a:ea typeface="+mn-ea"/>
+                <a:cs typeface="+mn-cs"/>
+              </a:defRPr>
+            </a:lvl1pPr>
+            <a:lvl2pPr marL="685800" indent="-228600" algn="l" defTabSz="914400" rtl="0" eaLnBrk="1" latinLnBrk="0" hangingPunct="1">
+              <a:lnSpc>
+                <a:spcPts val="1800"/>
+              </a:lnSpc>
+              <a:spcBef>
+                <a:spcPts val="1000"/>
+              </a:spcBef>
+              <a:spcAft>
+                <a:spcPts val="1000"/>
+              </a:spcAft>
+              <a:buFont typeface="Arial" panose="020B0604020202020204" pitchFamily="34" charset="0"/>
+              <a:buChar char="•"/>
+              <a:defRPr lang="en-US" sz="1200" kern="1200" smtClean="0">
+                <a:solidFill>
+                  <a:schemeClr val="tx1">
+                    <a:lumMod val="75000"/>
+                    <a:lumOff val="25000"/>
+                  </a:schemeClr>
+                </a:solidFill>
+                <a:latin typeface="+mn-lt"/>
+                <a:ea typeface="+mn-ea"/>
+                <a:cs typeface="+mn-cs"/>
+              </a:defRPr>
+            </a:lvl2pPr>
+            <a:lvl3pPr marL="1143000" indent="-228600" algn="l" defTabSz="914400" rtl="0" eaLnBrk="1" latinLnBrk="0" hangingPunct="1">
+              <a:lnSpc>
+                <a:spcPts val="1800"/>
+              </a:lnSpc>
+              <a:spcBef>
+                <a:spcPts val="1000"/>
+              </a:spcBef>
+              <a:spcAft>
+                <a:spcPts val="1000"/>
+              </a:spcAft>
+              <a:buFont typeface="Arial" panose="020B0604020202020204" pitchFamily="34" charset="0"/>
+              <a:buChar char="•"/>
+              <a:defRPr lang="en-US" sz="1200" kern="1200" smtClean="0">
+                <a:solidFill>
+                  <a:schemeClr val="tx1">
+                    <a:lumMod val="75000"/>
+                    <a:lumOff val="25000"/>
+                  </a:schemeClr>
+                </a:solidFill>
+                <a:latin typeface="+mn-lt"/>
+                <a:ea typeface="+mn-ea"/>
+                <a:cs typeface="+mn-cs"/>
+              </a:defRPr>
+            </a:lvl3pPr>
+            <a:lvl4pPr marL="1600200" indent="-228600" algn="l" defTabSz="914400" rtl="0" eaLnBrk="1" latinLnBrk="0" hangingPunct="1">
+              <a:lnSpc>
+                <a:spcPts val="1800"/>
+              </a:lnSpc>
+              <a:spcBef>
+                <a:spcPts val="1000"/>
+              </a:spcBef>
+              <a:spcAft>
+                <a:spcPts val="1000"/>
+              </a:spcAft>
+              <a:buFont typeface="Arial" panose="020B0604020202020204" pitchFamily="34" charset="0"/>
+              <a:buChar char="•"/>
+              <a:defRPr lang="en-US" sz="1200" kern="1200" smtClean="0">
+                <a:solidFill>
+                  <a:schemeClr val="tx1">
+                    <a:lumMod val="75000"/>
+                    <a:lumOff val="25000"/>
+                  </a:schemeClr>
+                </a:solidFill>
+                <a:latin typeface="+mn-lt"/>
+                <a:ea typeface="+mn-ea"/>
+                <a:cs typeface="+mn-cs"/>
+              </a:defRPr>
+            </a:lvl4pPr>
+            <a:lvl5pPr marL="2057400" indent="-228600" algn="l" defTabSz="914400" rtl="0" eaLnBrk="1" latinLnBrk="0" hangingPunct="1">
+              <a:lnSpc>
+                <a:spcPts val="1800"/>
+              </a:lnSpc>
+              <a:spcBef>
+                <a:spcPts val="1000"/>
+              </a:spcBef>
+              <a:spcAft>
+                <a:spcPts val="1000"/>
+              </a:spcAft>
+              <a:buFont typeface="Arial" panose="020B0604020202020204" pitchFamily="34" charset="0"/>
+              <a:buChar char="•"/>
+              <a:defRPr lang="en-US" sz="1200" kern="1200">
+                <a:solidFill>
+                  <a:schemeClr val="tx1">
+                    <a:lumMod val="75000"/>
+                    <a:lumOff val="25000"/>
+                  </a:schemeClr>
+                </a:solidFill>
+                <a:latin typeface="+mn-lt"/>
+                <a:ea typeface="+mn-ea"/>
+                <a:cs typeface="+mn-cs"/>
+              </a:defRPr>
+            </a:lvl5pPr>
+            <a:lvl6pPr marL="2514600" indent="-228600" algn="l" defTabSz="914400" rtl="0" eaLnBrk="1" latinLnBrk="0" hangingPunct="1">
+              <a:lnSpc>
+                <a:spcPct val="90000"/>
+              </a:lnSpc>
+              <a:spcBef>
+                <a:spcPct val="30000"/>
+              </a:spcBef>
+              <a:buFont typeface="Arial" panose="020B0604020202020204" pitchFamily="34" charset="0"/>
+              <a:buChar char="•"/>
+              <a:defRPr sz="1800" kern="1200">
+                <a:solidFill>
+                  <a:schemeClr val="tx1"/>
+                </a:solidFill>
+                <a:latin typeface="+mn-lt"/>
+                <a:ea typeface="+mn-ea"/>
+                <a:cs typeface="+mn-cs"/>
+              </a:defRPr>
+            </a:lvl6pPr>
+            <a:lvl7pPr marL="2971800" indent="-228600" algn="l" defTabSz="914400" rtl="0" eaLnBrk="1" latinLnBrk="0" hangingPunct="1">
+              <a:lnSpc>
+                <a:spcPct val="90000"/>
+              </a:lnSpc>
+              <a:spcBef>
+                <a:spcPct val="30000"/>
+              </a:spcBef>
+              <a:buFont typeface="Arial" panose="020B0604020202020204" pitchFamily="34" charset="0"/>
+              <a:buChar char="•"/>
+              <a:defRPr sz="1800" kern="1200">
+                <a:solidFill>
+                  <a:schemeClr val="tx1"/>
+                </a:solidFill>
+                <a:latin typeface="+mn-lt"/>
+                <a:ea typeface="+mn-ea"/>
+                <a:cs typeface="+mn-cs"/>
+              </a:defRPr>
+            </a:lvl7pPr>
+            <a:lvl8pPr marL="3429000" indent="-228600" algn="l" defTabSz="914400" rtl="0" eaLnBrk="1" latinLnBrk="0" hangingPunct="1">
+              <a:lnSpc>
+                <a:spcPct val="90000"/>
+              </a:lnSpc>
+              <a:spcBef>
+                <a:spcPct val="30000"/>
+              </a:spcBef>
+              <a:buFont typeface="Arial" panose="020B0604020202020204" pitchFamily="34" charset="0"/>
+              <a:buChar char="•"/>
+              <a:defRPr sz="1800" kern="1200">
+                <a:solidFill>
+                  <a:schemeClr val="tx1"/>
+                </a:solidFill>
+                <a:latin typeface="+mn-lt"/>
+                <a:ea typeface="+mn-ea"/>
+                <a:cs typeface="+mn-cs"/>
+              </a:defRPr>
+            </a:lvl8pPr>
+            <a:lvl9pPr marL="3886200" indent="-228600" algn="l" defTabSz="914400" rtl="0" eaLnBrk="1" latinLnBrk="0" hangingPunct="1">
+              <a:lnSpc>
+                <a:spcPct val="90000"/>
+              </a:lnSpc>
+              <a:spcBef>
+                <a:spcPct val="30000"/>
+              </a:spcBef>
+              <a:buFont typeface="Arial" panose="020B0604020202020204" pitchFamily="34" charset="0"/>
+              <a:buChar char="•"/>
+              <a:defRPr sz="1800" kern="1200">
+                <a:solidFill>
+                  <a:schemeClr val="tx1"/>
+                </a:solidFill>
+                <a:latin typeface="+mn-lt"/>
+                <a:ea typeface="+mn-ea"/>
+                <a:cs typeface="+mn-cs"/>
+              </a:defRPr>
+            </a:lvl9pPr>
+          </a:lstStyle>
+          <a:p>
+            <a:pPr marL="0" indent="0">
+              <a:spcAft>
+                <a:spcPts val="2000"/>
+              </a:spcAft>
+              <a:buNone/>
+            </a:pPr>
+            <a:r>
+              <a:rPr lang="en-US" sz="1400" b="1" dirty="0" smtClean="0">
+                <a:solidFill>
+                  <a:prstClr val="black">
+                    <a:lumMod val="75000"/>
+                    <a:lumOff val="25000"/>
+                  </a:prstClr>
+                </a:solidFill>
+                <a:latin typeface="Segoe UI" panose="020B0502040204020203" pitchFamily="34" charset="0"/>
+                <a:cs typeface="Segoe UI" panose="020B0502040204020203" pitchFamily="34" charset="0"/>
+              </a:rPr>
+              <a:t>Table 1. </a:t>
+            </a:r>
+            <a:r>
+              <a:rPr lang="en-US" sz="1400" dirty="0" smtClean="0">
+                <a:solidFill>
+                  <a:prstClr val="black">
+                    <a:lumMod val="75000"/>
+                    <a:lumOff val="25000"/>
+                  </a:prstClr>
+                </a:solidFill>
+                <a:latin typeface="Segoe UI" panose="020B0502040204020203" pitchFamily="34" charset="0"/>
+                <a:cs typeface="Segoe UI" panose="020B0502040204020203" pitchFamily="34" charset="0"/>
+              </a:rPr>
+              <a:t>Some resul</a:t>
+            </a:r>
+            <a:r>
+              <a:rPr lang="en-US" sz="1400" dirty="0" smtClean="0">
+                <a:solidFill>
+                  <a:prstClr val="black">
+                    <a:lumMod val="75000"/>
+                    <a:lumOff val="25000"/>
+                  </a:prstClr>
+                </a:solidFill>
+                <a:latin typeface="Segoe UI" panose="020B0502040204020203" pitchFamily="34" charset="0"/>
+                <a:cs typeface="Segoe UI" panose="020B0502040204020203" pitchFamily="34" charset="0"/>
+              </a:rPr>
+              <a:t>t on my current work. DAIN’s result is 81.4%</a:t>
+            </a:r>
+            <a:endParaRPr lang="en-US" sz="1400" dirty="0">
+              <a:solidFill>
+                <a:prstClr val="black">
+                  <a:lumMod val="75000"/>
+                  <a:lumOff val="25000"/>
+                </a:prstClr>
+              </a:solidFill>
+              <a:latin typeface="Segoe UI" panose="020B0502040204020203" pitchFamily="34" charset="0"/>
+              <a:cs typeface="Segoe UI" panose="020B0502040204020203" pitchFamily="34" charset="0"/>
+            </a:endParaRPr>
+          </a:p>
+        </p:txBody>
+      </p:sp>
+    </p:spTree>
+    <p:extLst>
+      <p:ext uri="{BB962C8B-B14F-4D97-AF65-F5344CB8AC3E}">
+        <p14:creationId xmlns:p14="http://schemas.microsoft.com/office/powerpoint/2010/main" val="3232784204"/>
+      </p:ext>
+    </p:extLst>
+  </p:cSld>
+  <p:clrMapOvr>
+    <a:masterClrMapping/>
+  </p:clrMapOvr>
+  <mc:AlternateContent xmlns:mc="http://schemas.openxmlformats.org/markup-compatibility/2006" xmlns:p15="http://schemas.microsoft.com/office/powerpoint/2012/main">
+    <mc:Choice Requires="p15">
+      <p:transition xmlns:p14="http://schemas.microsoft.com/office/powerpoint/2010/main" spd="slow" p14:dur="2000">
+        <p15:prstTrans prst="drape"/>
+      </p:transition>
+    </mc:Choice>
+    <mc:Fallback xmlns="">
+      <p:transition spd="slow">
+        <p:fade/>
+      </p:transition>
+    </mc:Fallback>
+  </mc:AlternateContent>
+</p:sld>
+</file>
+
+<file path=ppt/slides/slide17.xml><?xml version="1.0" encoding="utf-8"?>
+<p:sld xmlns:a="http://schemas.openxmlformats.org/drawingml/2006/main" xmlns:r="http://schemas.openxmlformats.org/officeDocument/2006/relationships" xmlns:p="http://schemas.openxmlformats.org/presentationml/2006/main">
+  <p:cSld>
+    <p:spTree>
+      <p:nvGrpSpPr>
+        <p:cNvPr id="1" name=""/>
+        <p:cNvGrpSpPr/>
+        <p:nvPr/>
+      </p:nvGrpSpPr>
+      <p:grpSpPr>
+        <a:xfrm>
+          <a:off x="0" y="0"/>
+          <a:ext cx="0" cy="0"/>
+          <a:chOff x="0" y="0"/>
+          <a:chExt cx="0" cy="0"/>
+        </a:xfrm>
+      </p:grpSpPr>
+      <p:sp>
+        <p:nvSpPr>
           <p:cNvPr id="8" name="Title 7"/>
           <p:cNvSpPr>
             <a:spLocks noGrp="1"/>
@@ -6413,7 +7395,7 @@
 </p:sld>
 </file>
 
-<file path=ppt/slides/slide16.xml><?xml version="1.0" encoding="utf-8"?>
+<file path=ppt/slides/slide18.xml><?xml version="1.0" encoding="utf-8"?>
 <p:sld xmlns:a="http://schemas.openxmlformats.org/drawingml/2006/main" xmlns:r="http://schemas.openxmlformats.org/officeDocument/2006/relationships" xmlns:p="http://schemas.openxmlformats.org/presentationml/2006/main">
   <p:cSld>
     <p:spTree>
@@ -6786,7 +7768,7 @@
 </p:sld>
 </file>
 
-<file path=ppt/slides/slide17.xml><?xml version="1.0" encoding="utf-8"?>
+<file path=ppt/slides/slide19.xml><?xml version="1.0" encoding="utf-8"?>
 <p:sld xmlns:a="http://schemas.openxmlformats.org/drawingml/2006/main" xmlns:r="http://schemas.openxmlformats.org/officeDocument/2006/relationships" xmlns:p="http://schemas.openxmlformats.org/presentationml/2006/main">
   <p:cSld>
     <p:spTree>
@@ -14802,7 +15784,7 @@
           <a:effectLst/>
           <a:extLst>
             <a:ext uri="{C572A759-6A51-4108-AA02-DFA0A04FC94B}">
-              <ma14:wrappingTextBoxFlag xmlns:ma14="http://schemas.microsoft.com/office/mac/drawingml/2011/main" xmlns=""/>
+              <ma14:wrappingTextBoxFlag xmlns="" xmlns:ma14="http://schemas.microsoft.com/office/mac/drawingml/2011/main"/>
             </a:ext>
           </a:extLst>
         </p:spPr>
@@ -15637,7 +16619,7 @@
           <a:effectLst/>
           <a:extLst>
             <a:ext uri="{C572A759-6A51-4108-AA02-DFA0A04FC94B}">
-              <ma14:wrappingTextBoxFlag xmlns:ma14="http://schemas.microsoft.com/office/mac/drawingml/2011/main" xmlns=""/>
+              <ma14:wrappingTextBoxFlag xmlns="" xmlns:ma14="http://schemas.microsoft.com/office/mac/drawingml/2011/main"/>
             </a:ext>
           </a:extLst>
         </p:spPr>
@@ -16207,10 +17189,10 @@
   <a:themeElements>
     <a:clrScheme name="Office">
       <a:dk1>
-        <a:sysClr val="windowText" lastClr="000000"/>
+        <a:sysClr val="windowText" lastClr="B4B4B4"/>
       </a:dk1>
       <a:lt1>
-        <a:sysClr val="window" lastClr="FFFFFF"/>
+        <a:sysClr val="window" lastClr="1F1F1F"/>
       </a:lt1>
       <a:dk2>
         <a:srgbClr val="44546A"/>
@@ -16408,10 +17390,10 @@
   <a:themeElements>
     <a:clrScheme name="Office">
       <a:dk1>
-        <a:sysClr val="windowText" lastClr="000000"/>
+        <a:sysClr val="windowText" lastClr="B4B4B4"/>
       </a:dk1>
       <a:lt1>
-        <a:sysClr val="window" lastClr="FFFFFF"/>
+        <a:sysClr val="window" lastClr="1F1F1F"/>
       </a:lt1>
       <a:dk2>
         <a:srgbClr val="44546A"/>
@@ -16669,10 +17651,10 @@
   <a:themeElements>
     <a:clrScheme name="Office">
       <a:dk1>
-        <a:sysClr val="windowText" lastClr="000000"/>
+        <a:sysClr val="windowText" lastClr="B4B4B4"/>
       </a:dk1>
       <a:lt1>
-        <a:sysClr val="window" lastClr="FFFFFF"/>
+        <a:sysClr val="window" lastClr="1F1F1F"/>
       </a:lt1>
       <a:dk2>
         <a:srgbClr val="44546A"/>

--- a/summary/slides/main.pptx
+++ b/summary/slides/main.pptx
@@ -277,7 +277,7 @@
           <a:p>
             <a:fld id="{80680FBE-A8DF-4758-9AC4-3A9E1039168F}" type="datetimeFigureOut">
               <a:rPr lang="en-US" smtClean="0"/>
-              <a:t>3/12/2018</a:t>
+              <a:t>7/29/2018</a:t>
             </a:fld>
             <a:endParaRPr lang="en-US"/>
           </a:p>
@@ -442,7 +442,7 @@
           <a:p>
             <a:fld id="{EC13577B-6902-467D-A26C-08A0DD5E4E03}" type="datetimeFigureOut">
               <a:rPr lang="en-US" smtClean="0"/>
-              <a:t>3/12/2018</a:t>
+              <a:t>7/29/2018</a:t>
             </a:fld>
             <a:endParaRPr lang="en-US"/>
           </a:p>
@@ -1597,7 +1597,7 @@
             <a:fld id="{8BEEBAAA-29B5-4AF5-BC5F-7E580C29002D}" type="datetimeFigureOut">
               <a:rPr lang="en-US" smtClean="0"/>
               <a:pPr/>
-              <a:t>3/12/2018</a:t>
+              <a:t>7/29/2018</a:t>
             </a:fld>
             <a:endParaRPr lang="en-US" dirty="0"/>
           </a:p>
@@ -2258,7 +2258,7 @@
             <a:fld id="{8BEEBAAA-29B5-4AF5-BC5F-7E580C29002D}" type="datetimeFigureOut">
               <a:rPr lang="en-US" smtClean="0"/>
               <a:pPr/>
-              <a:t>3/12/2018</a:t>
+              <a:t>7/29/2018</a:t>
             </a:fld>
             <a:endParaRPr lang="en-US" dirty="0"/>
           </a:p>
@@ -5353,10 +5353,6 @@
               </a:rPr>
               <a:t>My approaches</a:t>
             </a:r>
-            <a:endParaRPr lang="en-US" b="1" dirty="0">
-              <a:latin typeface="Segoe UI Light" panose="020B0502040204020203" pitchFamily="34" charset="0"/>
-              <a:cs typeface="Segoe UI Light" panose="020B0502040204020203" pitchFamily="34" charset="0"/>
-            </a:endParaRPr>
           </a:p>
         </p:txBody>
       </p:sp>
@@ -5807,10 +5803,6 @@
               </a:rPr>
               <a:t>My approaches</a:t>
             </a:r>
-            <a:endParaRPr lang="en-US" b="1" dirty="0">
-              <a:latin typeface="Segoe UI Light" panose="020B0502040204020203" pitchFamily="34" charset="0"/>
-              <a:cs typeface="Segoe UI Light" panose="020B0502040204020203" pitchFamily="34" charset="0"/>
-            </a:endParaRPr>
           </a:p>
         </p:txBody>
       </p:sp>
@@ -6741,20 +6733,7 @@
                 <a:latin typeface="Segoe UI" panose="020B0502040204020203" pitchFamily="34" charset="0"/>
                 <a:cs typeface="Segoe UI" panose="020B0502040204020203" pitchFamily="34" charset="0"/>
               </a:rPr>
-              <a:t>Some resul</a:t>
-            </a:r>
-            <a:r>
-              <a:rPr lang="en-US" sz="1400" dirty="0" smtClean="0">
-                <a:solidFill>
-                  <a:prstClr val="black">
-                    <a:lumMod val="75000"/>
-                    <a:lumOff val="25000"/>
-                  </a:prstClr>
-                </a:solidFill>
-                <a:latin typeface="Segoe UI" panose="020B0502040204020203" pitchFamily="34" charset="0"/>
-                <a:cs typeface="Segoe UI" panose="020B0502040204020203" pitchFamily="34" charset="0"/>
-              </a:rPr>
-              <a:t>t on my current work. DAIN’s result is 81.4%</a:t>
+              <a:t>Some result on my current work. DAIN’s result is 81.4%</a:t>
             </a:r>
             <a:endParaRPr lang="en-US" sz="1400" dirty="0">
               <a:solidFill>
@@ -15784,7 +15763,7 @@
           <a:effectLst/>
           <a:extLst>
             <a:ext uri="{C572A759-6A51-4108-AA02-DFA0A04FC94B}">
-              <ma14:wrappingTextBoxFlag xmlns="" xmlns:ma14="http://schemas.microsoft.com/office/mac/drawingml/2011/main"/>
+              <ma14:wrappingTextBoxFlag xmlns:ma14="http://schemas.microsoft.com/office/mac/drawingml/2011/main" xmlns=""/>
             </a:ext>
           </a:extLst>
         </p:spPr>
@@ -16619,7 +16598,7 @@
           <a:effectLst/>
           <a:extLst>
             <a:ext uri="{C572A759-6A51-4108-AA02-DFA0A04FC94B}">
-              <ma14:wrappingTextBoxFlag xmlns="" xmlns:ma14="http://schemas.microsoft.com/office/mac/drawingml/2011/main"/>
+              <ma14:wrappingTextBoxFlag xmlns:ma14="http://schemas.microsoft.com/office/mac/drawingml/2011/main" xmlns=""/>
             </a:ext>
           </a:extLst>
         </p:spPr>
@@ -17189,10 +17168,10 @@
   <a:themeElements>
     <a:clrScheme name="Office">
       <a:dk1>
-        <a:sysClr val="windowText" lastClr="B4B4B4"/>
+        <a:sysClr val="windowText" lastClr="000000"/>
       </a:dk1>
       <a:lt1>
-        <a:sysClr val="window" lastClr="1F1F1F"/>
+        <a:sysClr val="window" lastClr="FFFFFF"/>
       </a:lt1>
       <a:dk2>
         <a:srgbClr val="44546A"/>
@@ -17390,10 +17369,10 @@
   <a:themeElements>
     <a:clrScheme name="Office">
       <a:dk1>
-        <a:sysClr val="windowText" lastClr="B4B4B4"/>
+        <a:sysClr val="windowText" lastClr="000000"/>
       </a:dk1>
       <a:lt1>
-        <a:sysClr val="window" lastClr="1F1F1F"/>
+        <a:sysClr val="window" lastClr="FFFFFF"/>
       </a:lt1>
       <a:dk2>
         <a:srgbClr val="44546A"/>
@@ -17651,10 +17630,10 @@
   <a:themeElements>
     <a:clrScheme name="Office">
       <a:dk1>
-        <a:sysClr val="windowText" lastClr="B4B4B4"/>
+        <a:sysClr val="windowText" lastClr="000000"/>
       </a:dk1>
       <a:lt1>
-        <a:sysClr val="window" lastClr="1F1F1F"/>
+        <a:sysClr val="window" lastClr="FFFFFF"/>
       </a:lt1>
       <a:dk2>
         <a:srgbClr val="44546A"/>
